--- a/Slide/Unity.pptx
+++ b/Slide/Unity.pptx
@@ -5,31 +5,32 @@
     <p:sldMasterId id="2147483672" r:id="rId1"/>
   </p:sldMasterIdLst>
   <p:notesMasterIdLst>
-    <p:notesMasterId r:id="rId24"/>
+    <p:notesMasterId r:id="rId25"/>
   </p:notesMasterIdLst>
   <p:sldIdLst>
     <p:sldId id="256" r:id="rId2"/>
-    <p:sldId id="257" r:id="rId3"/>
-    <p:sldId id="258" r:id="rId4"/>
-    <p:sldId id="259" r:id="rId5"/>
-    <p:sldId id="260" r:id="rId6"/>
-    <p:sldId id="288" r:id="rId7"/>
-    <p:sldId id="289" r:id="rId8"/>
-    <p:sldId id="290" r:id="rId9"/>
-    <p:sldId id="291" r:id="rId10"/>
-    <p:sldId id="292" r:id="rId11"/>
-    <p:sldId id="293" r:id="rId12"/>
-    <p:sldId id="294" r:id="rId13"/>
-    <p:sldId id="295" r:id="rId14"/>
-    <p:sldId id="296" r:id="rId15"/>
-    <p:sldId id="297" r:id="rId16"/>
-    <p:sldId id="298" r:id="rId17"/>
-    <p:sldId id="299" r:id="rId18"/>
-    <p:sldId id="300" r:id="rId19"/>
-    <p:sldId id="301" r:id="rId20"/>
-    <p:sldId id="302" r:id="rId21"/>
-    <p:sldId id="303" r:id="rId22"/>
-    <p:sldId id="305" r:id="rId23"/>
+    <p:sldId id="307" r:id="rId3"/>
+    <p:sldId id="257" r:id="rId4"/>
+    <p:sldId id="258" r:id="rId5"/>
+    <p:sldId id="259" r:id="rId6"/>
+    <p:sldId id="260" r:id="rId7"/>
+    <p:sldId id="288" r:id="rId8"/>
+    <p:sldId id="289" r:id="rId9"/>
+    <p:sldId id="290" r:id="rId10"/>
+    <p:sldId id="291" r:id="rId11"/>
+    <p:sldId id="292" r:id="rId12"/>
+    <p:sldId id="293" r:id="rId13"/>
+    <p:sldId id="294" r:id="rId14"/>
+    <p:sldId id="295" r:id="rId15"/>
+    <p:sldId id="296" r:id="rId16"/>
+    <p:sldId id="297" r:id="rId17"/>
+    <p:sldId id="298" r:id="rId18"/>
+    <p:sldId id="299" r:id="rId19"/>
+    <p:sldId id="300" r:id="rId20"/>
+    <p:sldId id="301" r:id="rId21"/>
+    <p:sldId id="302" r:id="rId22"/>
+    <p:sldId id="303" r:id="rId23"/>
+    <p:sldId id="305" r:id="rId24"/>
   </p:sldIdLst>
   <p:sldSz cx="9144000" cy="6858000" type="screen4x3"/>
   <p:notesSz cx="6858000" cy="9144000"/>
@@ -213,7 +214,8 @@
           <a:p>
             <a:fld id="{928435E1-7B8E-4515-B790-FC8802164AEC}" type="datetimeFigureOut">
               <a:rPr lang="en-US" smtClean="0"/>
-              <a:t>2/21/2019</a:t>
+              <a:pPr/>
+              <a:t>2/23/2019</a:t>
             </a:fld>
             <a:endParaRPr lang="en-US"/>
           </a:p>
@@ -374,6 +376,7 @@
           <a:p>
             <a:fld id="{03A1A1B3-F656-4AE2-8E91-E8A0B97E5E93}" type="slidenum">
               <a:rPr lang="en-US" smtClean="0"/>
+              <a:pPr/>
               <a:t>‹#›</a:t>
             </a:fld>
             <a:endParaRPr lang="en-US"/>
@@ -607,7 +610,7 @@
             <a:fld id="{E09107CB-B86F-4BAA-9834-24F947862B35}" type="slidenum">
               <a:rPr lang="en-US"/>
               <a:pPr/>
-              <a:t>15</a:t>
+              <a:t>16</a:t>
             </a:fld>
             <a:endParaRPr lang="en-US"/>
           </a:p>
@@ -798,7 +801,7 @@
             <a:fld id="{4CE1480E-8BD7-4617-B940-1624BF0222E8}" type="slidenum">
               <a:rPr lang="en-US"/>
               <a:pPr/>
-              <a:t>17</a:t>
+              <a:t>18</a:t>
             </a:fld>
             <a:endParaRPr lang="en-US"/>
           </a:p>
@@ -1032,7 +1035,7 @@
             <a:fld id="{2F975798-F528-431E-95C7-54CD6A6A1C15}" type="datetimeFigureOut">
               <a:rPr lang="en-US" smtClean="0"/>
               <a:pPr/>
-              <a:t>2/21/2019</a:t>
+              <a:t>2/23/2019</a:t>
             </a:fld>
             <a:endParaRPr lang="en-US"/>
           </a:p>
@@ -1221,7 +1224,7 @@
             <a:fld id="{2F975798-F528-431E-95C7-54CD6A6A1C15}" type="datetimeFigureOut">
               <a:rPr lang="en-US" smtClean="0"/>
               <a:pPr/>
-              <a:t>2/21/2019</a:t>
+              <a:t>2/23/2019</a:t>
             </a:fld>
             <a:endParaRPr lang="en-US"/>
           </a:p>
@@ -1398,7 +1401,7 @@
             <a:fld id="{2F975798-F528-431E-95C7-54CD6A6A1C15}" type="datetimeFigureOut">
               <a:rPr lang="en-US" smtClean="0"/>
               <a:pPr/>
-              <a:t>2/21/2019</a:t>
+              <a:t>2/23/2019</a:t>
             </a:fld>
             <a:endParaRPr lang="en-US"/>
           </a:p>
@@ -1580,7 +1583,7 @@
             <a:fld id="{2F975798-F528-431E-95C7-54CD6A6A1C15}" type="datetimeFigureOut">
               <a:rPr lang="en-US" smtClean="0"/>
               <a:pPr/>
-              <a:t>2/21/2019</a:t>
+              <a:t>2/23/2019</a:t>
             </a:fld>
             <a:endParaRPr lang="en-US"/>
           </a:p>
@@ -1829,7 +1832,7 @@
             <a:fld id="{2F975798-F528-431E-95C7-54CD6A6A1C15}" type="datetimeFigureOut">
               <a:rPr lang="en-US" smtClean="0"/>
               <a:pPr/>
-              <a:t>2/21/2019</a:t>
+              <a:t>2/23/2019</a:t>
             </a:fld>
             <a:endParaRPr lang="en-US"/>
           </a:p>
@@ -2305,7 +2308,7 @@
             <a:fld id="{2F975798-F528-431E-95C7-54CD6A6A1C15}" type="datetimeFigureOut">
               <a:rPr lang="en-US" smtClean="0"/>
               <a:pPr/>
-              <a:t>2/21/2019</a:t>
+              <a:t>2/23/2019</a:t>
             </a:fld>
             <a:endParaRPr lang="en-US"/>
           </a:p>
@@ -2722,7 +2725,7 @@
             <a:fld id="{2F975798-F528-431E-95C7-54CD6A6A1C15}" type="datetimeFigureOut">
               <a:rPr lang="en-US" smtClean="0"/>
               <a:pPr/>
-              <a:t>2/21/2019</a:t>
+              <a:t>2/23/2019</a:t>
             </a:fld>
             <a:endParaRPr lang="en-US"/>
           </a:p>
@@ -2855,7 +2858,7 @@
             <a:fld id="{2F975798-F528-431E-95C7-54CD6A6A1C15}" type="datetimeFigureOut">
               <a:rPr lang="en-US" smtClean="0"/>
               <a:pPr/>
-              <a:t>2/21/2019</a:t>
+              <a:t>2/23/2019</a:t>
             </a:fld>
             <a:endParaRPr lang="en-US"/>
           </a:p>
@@ -2952,7 +2955,7 @@
             <a:fld id="{2F975798-F528-431E-95C7-54CD6A6A1C15}" type="datetimeFigureOut">
               <a:rPr lang="en-US" smtClean="0"/>
               <a:pPr/>
-              <a:t>2/21/2019</a:t>
+              <a:t>2/23/2019</a:t>
             </a:fld>
             <a:endParaRPr lang="en-US"/>
           </a:p>
@@ -3232,7 +3235,7 @@
             <a:fld id="{2F975798-F528-431E-95C7-54CD6A6A1C15}" type="datetimeFigureOut">
               <a:rPr lang="en-US" smtClean="0"/>
               <a:pPr/>
-              <a:t>2/21/2019</a:t>
+              <a:t>2/23/2019</a:t>
             </a:fld>
             <a:endParaRPr lang="en-US"/>
           </a:p>
@@ -3486,7 +3489,7 @@
             <a:fld id="{2F975798-F528-431E-95C7-54CD6A6A1C15}" type="datetimeFigureOut">
               <a:rPr lang="en-US" smtClean="0"/>
               <a:pPr/>
-              <a:t>2/21/2019</a:t>
+              <a:t>2/23/2019</a:t>
             </a:fld>
             <a:endParaRPr lang="en-US"/>
           </a:p>
@@ -3860,7 +3863,7 @@
             <a:fld id="{2F975798-F528-431E-95C7-54CD6A6A1C15}" type="datetimeFigureOut">
               <a:rPr lang="en-US" smtClean="0"/>
               <a:pPr/>
-              <a:t>2/21/2019</a:t>
+              <a:t>2/23/2019</a:t>
             </a:fld>
             <a:endParaRPr lang="en-US"/>
           </a:p>
@@ -4300,7 +4303,7 @@
           <a:bodyPr/>
           <a:lstStyle/>
           <a:p>
-            <a:pPr algn="ctr"/>
+            <a:pPr algn="l"/>
             <a:r>
               <a:rPr lang="en-MY" dirty="0" smtClean="0"/>
               <a:t>Perak Technology Session</a:t>
@@ -4334,11 +4337,7 @@
             <a:pPr algn="ctr"/>
             <a:r>
               <a:rPr lang="en-US" sz="4300" dirty="0" smtClean="0"/>
-              <a:t>Unity 3D - Cross-platform Game </a:t>
-            </a:r>
-            <a:r>
-              <a:rPr lang="en-US" sz="4300" dirty="0" smtClean="0"/>
-              <a:t>Engine</a:t>
+              <a:t>Unity 3D - Cross-platform Game Engine</a:t>
             </a:r>
             <a:endParaRPr lang="en-MY" dirty="0" smtClean="0"/>
           </a:p>
@@ -4480,7 +4479,7 @@
       </p:grpSpPr>
       <p:sp>
         <p:nvSpPr>
-          <p:cNvPr id="11266" name="Title 1"/>
+          <p:cNvPr id="10242" name="Title 1"/>
           <p:cNvSpPr>
             <a:spLocks noGrp="1"/>
           </p:cNvSpPr>
@@ -4495,14 +4494,14 @@
           <a:p>
             <a:r>
               <a:rPr lang="en-US" smtClean="0"/>
-              <a:t>Create a Cube</a:t>
+              <a:t>Hierarchy</a:t>
             </a:r>
           </a:p>
         </p:txBody>
       </p:sp>
       <p:pic>
         <p:nvPicPr>
-          <p:cNvPr id="11267" name="Content Placeholder 3"/>
+          <p:cNvPr id="10243" name="Content Placeholder 3"/>
           <p:cNvPicPr>
             <a:picLocks noGrp="1" noChangeAspect="1"/>
           </p:cNvPicPr>
@@ -4518,8 +4517,8 @@
         </p:blipFill>
         <p:spPr>
           <a:xfrm>
-            <a:off x="2774517" y="1532272"/>
-            <a:ext cx="3594966" cy="5040000"/>
+            <a:off x="2887583" y="1500172"/>
+            <a:ext cx="3368835" cy="5040000"/>
           </a:xfrm>
           <a:prstGeom prst="rect">
             <a:avLst/>
@@ -4535,6 +4534,7 @@
   <p:clrMapOvr>
     <a:masterClrMapping/>
   </p:clrMapOvr>
+  <p:transition/>
 </p:sld>
 </file>
 
@@ -4557,7 +4557,7 @@
       </p:grpSpPr>
       <p:sp>
         <p:nvSpPr>
-          <p:cNvPr id="12290" name="Title 1"/>
+          <p:cNvPr id="11266" name="Title 1"/>
           <p:cNvSpPr>
             <a:spLocks noGrp="1"/>
           </p:cNvSpPr>
@@ -4572,37 +4572,20 @@
           <a:p>
             <a:r>
               <a:rPr lang="en-US" smtClean="0"/>
-              <a:t>Scene/Game View</a:t>
-            </a:r>
-          </a:p>
-        </p:txBody>
-      </p:sp>
-      <p:sp>
-        <p:nvSpPr>
-          <p:cNvPr id="12291" name="Content Placeholder 2"/>
-          <p:cNvSpPr>
-            <a:spLocks noGrp="1"/>
-          </p:cNvSpPr>
-          <p:nvPr>
-            <p:ph idx="1"/>
-          </p:nvPr>
-        </p:nvSpPr>
-        <p:spPr/>
-        <p:txBody>
-          <a:bodyPr/>
-          <a:lstStyle/>
-          <a:p>
-            <a:endParaRPr lang="en-US" smtClean="0"/>
+              <a:t>Create a Cube</a:t>
+            </a:r>
           </a:p>
         </p:txBody>
       </p:sp>
       <p:pic>
         <p:nvPicPr>
-          <p:cNvPr id="12292" name="Picture 6"/>
+          <p:cNvPr id="11267" name="Content Placeholder 3"/>
           <p:cNvPicPr>
-            <a:picLocks noChangeAspect="1"/>
+            <a:picLocks noGrp="1" noChangeAspect="1"/>
           </p:cNvPicPr>
-          <p:nvPr/>
+          <p:nvPr>
+            <p:ph idx="1"/>
+          </p:nvPr>
         </p:nvPicPr>
         <p:blipFill>
           <a:blip r:embed="rId2"/>
@@ -4610,10 +4593,10 @@
             <a:fillRect/>
           </a:stretch>
         </p:blipFill>
-        <p:spPr bwMode="auto">
-          <a:xfrm>
-            <a:off x="72000" y="1714488"/>
-            <a:ext cx="9000000" cy="4608192"/>
+        <p:spPr>
+          <a:xfrm>
+            <a:off x="2774517" y="1532272"/>
+            <a:ext cx="3594966" cy="5040000"/>
           </a:xfrm>
           <a:prstGeom prst="rect">
             <a:avLst/>
@@ -4651,7 +4634,7 @@
       </p:grpSpPr>
       <p:sp>
         <p:nvSpPr>
-          <p:cNvPr id="13314" name="Title 1"/>
+          <p:cNvPr id="12290" name="Title 1"/>
           <p:cNvSpPr>
             <a:spLocks noGrp="1"/>
           </p:cNvSpPr>
@@ -4666,14 +4649,14 @@
           <a:p>
             <a:r>
               <a:rPr lang="en-US" smtClean="0"/>
-              <a:t>Navigating Scene View</a:t>
-            </a:r>
-          </a:p>
-        </p:txBody>
-      </p:sp>
-      <p:sp>
-        <p:nvSpPr>
-          <p:cNvPr id="13315" name="Content Placeholder 2"/>
+              <a:t>Scene/Game View</a:t>
+            </a:r>
+          </a:p>
+        </p:txBody>
+      </p:sp>
+      <p:sp>
+        <p:nvSpPr>
+          <p:cNvPr id="12291" name="Content Placeholder 2"/>
           <p:cNvSpPr>
             <a:spLocks noGrp="1"/>
           </p:cNvSpPr>
@@ -4683,51 +4666,16 @@
         </p:nvSpPr>
         <p:spPr/>
         <p:txBody>
-          <a:bodyPr>
-            <a:normAutofit fontScale="85000" lnSpcReduction="20000"/>
-          </a:bodyPr>
-          <a:lstStyle/>
-          <a:p>
-            <a:r>
-              <a:rPr lang="en-US" smtClean="0"/>
-              <a:t>Hand Tool: Click and drag to move scene and navigate world</a:t>
-            </a:r>
-          </a:p>
-          <a:p>
-            <a:r>
-              <a:rPr lang="en-US" smtClean="0"/>
-              <a:t>Move Tool: Move objects within the world (X, Y, Z)</a:t>
-            </a:r>
-          </a:p>
-          <a:p>
-            <a:r>
-              <a:rPr lang="en-US" smtClean="0"/>
-              <a:t>Rotate Tool: Rotate objects along the X, Y, or Z axis</a:t>
-            </a:r>
-          </a:p>
-          <a:p>
-            <a:r>
-              <a:rPr lang="en-US" smtClean="0"/>
-              <a:t>Scale Tool: Scale object’s size either along an axis, or overall</a:t>
-            </a:r>
-          </a:p>
-          <a:p>
-            <a:r>
-              <a:rPr lang="en-US" smtClean="0"/>
-              <a:t>Rect Tool: Mainly used for 2D games and UI elements</a:t>
-            </a:r>
-          </a:p>
-          <a:p>
-            <a:r>
-              <a:rPr lang="en-US" smtClean="0"/>
-              <a:t>Universal Tool: Has functionality to move, rotate, and scale</a:t>
-            </a:r>
+          <a:bodyPr/>
+          <a:lstStyle/>
+          <a:p>
+            <a:endParaRPr lang="en-US" smtClean="0"/>
           </a:p>
         </p:txBody>
       </p:sp>
       <p:pic>
         <p:nvPicPr>
-          <p:cNvPr id="13316" name="Picture 4"/>
+          <p:cNvPr id="12292" name="Picture 6"/>
           <p:cNvPicPr>
             <a:picLocks noChangeAspect="1"/>
           </p:cNvPicPr>
@@ -4741,8 +4689,8 @@
         </p:blipFill>
         <p:spPr bwMode="auto">
           <a:xfrm>
-            <a:off x="4071933" y="5929329"/>
-            <a:ext cx="4738054" cy="720000"/>
+            <a:off x="72000" y="1714488"/>
+            <a:ext cx="9000000" cy="4608192"/>
           </a:xfrm>
           <a:prstGeom prst="rect">
             <a:avLst/>
@@ -4780,7 +4728,7 @@
       </p:grpSpPr>
       <p:sp>
         <p:nvSpPr>
-          <p:cNvPr id="14338" name="Title 1"/>
+          <p:cNvPr id="13314" name="Title 1"/>
           <p:cNvSpPr>
             <a:spLocks noGrp="1"/>
           </p:cNvSpPr>
@@ -4795,14 +4743,68 @@
           <a:p>
             <a:r>
               <a:rPr lang="en-US" smtClean="0"/>
-              <a:t>Inspector</a:t>
+              <a:t>Navigating Scene View</a:t>
+            </a:r>
+          </a:p>
+        </p:txBody>
+      </p:sp>
+      <p:sp>
+        <p:nvSpPr>
+          <p:cNvPr id="13315" name="Content Placeholder 2"/>
+          <p:cNvSpPr>
+            <a:spLocks noGrp="1"/>
+          </p:cNvSpPr>
+          <p:nvPr>
+            <p:ph idx="1"/>
+          </p:nvPr>
+        </p:nvSpPr>
+        <p:spPr/>
+        <p:txBody>
+          <a:bodyPr>
+            <a:normAutofit fontScale="85000" lnSpcReduction="20000"/>
+          </a:bodyPr>
+          <a:lstStyle/>
+          <a:p>
+            <a:r>
+              <a:rPr lang="en-US" smtClean="0"/>
+              <a:t>Hand Tool: Click and drag to move scene and navigate world</a:t>
+            </a:r>
+          </a:p>
+          <a:p>
+            <a:r>
+              <a:rPr lang="en-US" smtClean="0"/>
+              <a:t>Move Tool: Move objects within the world (X, Y, Z)</a:t>
+            </a:r>
+          </a:p>
+          <a:p>
+            <a:r>
+              <a:rPr lang="en-US" smtClean="0"/>
+              <a:t>Rotate Tool: Rotate objects along the X, Y, or Z axis</a:t>
+            </a:r>
+          </a:p>
+          <a:p>
+            <a:r>
+              <a:rPr lang="en-US" smtClean="0"/>
+              <a:t>Scale Tool: Scale object’s size either along an axis, or overall</a:t>
+            </a:r>
+          </a:p>
+          <a:p>
+            <a:r>
+              <a:rPr lang="en-US" smtClean="0"/>
+              <a:t>Rect Tool: Mainly used for 2D games and UI elements</a:t>
+            </a:r>
+          </a:p>
+          <a:p>
+            <a:r>
+              <a:rPr lang="en-US" smtClean="0"/>
+              <a:t>Universal Tool: Has functionality to move, rotate, and scale</a:t>
             </a:r>
           </a:p>
         </p:txBody>
       </p:sp>
       <p:pic>
         <p:nvPicPr>
-          <p:cNvPr id="14339" name="Picture 3"/>
+          <p:cNvPr id="13316" name="Picture 4"/>
           <p:cNvPicPr>
             <a:picLocks noChangeAspect="1"/>
           </p:cNvPicPr>
@@ -4816,8 +4818,8 @@
         </p:blipFill>
         <p:spPr bwMode="auto">
           <a:xfrm>
-            <a:off x="2935256" y="1315148"/>
-            <a:ext cx="3273488" cy="5400000"/>
+            <a:off x="4071933" y="5929329"/>
+            <a:ext cx="4738054" cy="720000"/>
           </a:xfrm>
           <a:prstGeom prst="rect">
             <a:avLst/>
@@ -4855,7 +4857,7 @@
       </p:grpSpPr>
       <p:sp>
         <p:nvSpPr>
-          <p:cNvPr id="15362" name="Title 1"/>
+          <p:cNvPr id="14338" name="Title 1"/>
           <p:cNvSpPr>
             <a:spLocks noGrp="1"/>
           </p:cNvSpPr>
@@ -4870,14 +4872,14 @@
           <a:p>
             <a:r>
               <a:rPr lang="en-US" smtClean="0"/>
-              <a:t>Project Window</a:t>
+              <a:t>Inspector</a:t>
             </a:r>
           </a:p>
         </p:txBody>
       </p:sp>
       <p:pic>
         <p:nvPicPr>
-          <p:cNvPr id="15363" name="Picture 3"/>
+          <p:cNvPr id="14339" name="Picture 3"/>
           <p:cNvPicPr>
             <a:picLocks noChangeAspect="1"/>
           </p:cNvPicPr>
@@ -4885,27 +4887,21 @@
         </p:nvPicPr>
         <p:blipFill>
           <a:blip r:embed="rId2"/>
-          <a:srcRect/>
           <a:stretch>
             <a:fillRect/>
           </a:stretch>
         </p:blipFill>
         <p:spPr bwMode="auto">
           <a:xfrm>
-            <a:off x="273844" y="2212976"/>
-            <a:ext cx="8596313" cy="2817813"/>
+            <a:off x="2935256" y="1315148"/>
+            <a:ext cx="3273488" cy="5400000"/>
           </a:xfrm>
           <a:prstGeom prst="rect">
             <a:avLst/>
           </a:prstGeom>
           <a:noFill/>
-          <a:ln w="38100">
-            <a:solidFill>
-              <a:srgbClr val="FFFF00"/>
-            </a:solidFill>
-            <a:miter lim="800000"/>
-            <a:headEnd/>
-            <a:tailEnd/>
+          <a:ln>
+            <a:noFill/>
           </a:ln>
         </p:spPr>
       </p:pic>
@@ -4936,7 +4932,7 @@
       </p:grpSpPr>
       <p:sp>
         <p:nvSpPr>
-          <p:cNvPr id="16386" name="Title 1"/>
+          <p:cNvPr id="15362" name="Title 1"/>
           <p:cNvSpPr>
             <a:spLocks noGrp="1"/>
           </p:cNvSpPr>
@@ -4950,52 +4946,46 @@
           <a:lstStyle/>
           <a:p>
             <a:r>
-              <a:rPr lang="en-US" dirty="0" smtClean="0"/>
-              <a:t>Custom </a:t>
-            </a:r>
-            <a:r>
-              <a:rPr lang="en-US" dirty="0" smtClean="0"/>
-              <a:t>Layouts</a:t>
-            </a:r>
-          </a:p>
-        </p:txBody>
-      </p:sp>
-      <p:sp>
-        <p:nvSpPr>
-          <p:cNvPr id="16387" name="Content Placeholder 2"/>
-          <p:cNvSpPr>
-            <a:spLocks noGrp="1"/>
-          </p:cNvSpPr>
-          <p:nvPr>
-            <p:ph idx="1"/>
-          </p:nvPr>
-        </p:nvSpPr>
-        <p:spPr/>
-        <p:txBody>
-          <a:bodyPr/>
-          <a:lstStyle/>
-          <a:p>
-            <a:r>
-              <a:rPr lang="en-US" smtClean="0"/>
-              <a:t>Demo in Unity</a:t>
-            </a:r>
-          </a:p>
-          <a:p>
-            <a:pPr lvl="1"/>
-            <a:r>
-              <a:rPr lang="en-US" smtClean="0"/>
-              <a:t>Scale window size</a:t>
-            </a:r>
-          </a:p>
-          <a:p>
-            <a:pPr lvl="1"/>
-            <a:r>
-              <a:rPr lang="en-US" smtClean="0"/>
-              <a:t>Change window locations</a:t>
-            </a:r>
-          </a:p>
-        </p:txBody>
-      </p:sp>
+              <a:rPr lang="en-US" smtClean="0"/>
+              <a:t>Project Window</a:t>
+            </a:r>
+          </a:p>
+        </p:txBody>
+      </p:sp>
+      <p:pic>
+        <p:nvPicPr>
+          <p:cNvPr id="15363" name="Picture 3"/>
+          <p:cNvPicPr>
+            <a:picLocks noChangeAspect="1"/>
+          </p:cNvPicPr>
+          <p:nvPr/>
+        </p:nvPicPr>
+        <p:blipFill>
+          <a:blip r:embed="rId2"/>
+          <a:srcRect/>
+          <a:stretch>
+            <a:fillRect/>
+          </a:stretch>
+        </p:blipFill>
+        <p:spPr bwMode="auto">
+          <a:xfrm>
+            <a:off x="273844" y="2212976"/>
+            <a:ext cx="8596313" cy="2817813"/>
+          </a:xfrm>
+          <a:prstGeom prst="rect">
+            <a:avLst/>
+          </a:prstGeom>
+          <a:noFill/>
+          <a:ln w="38100">
+            <a:solidFill>
+              <a:srgbClr val="FFFF00"/>
+            </a:solidFill>
+            <a:miter lim="800000"/>
+            <a:headEnd/>
+            <a:tailEnd/>
+          </a:ln>
+        </p:spPr>
+      </p:pic>
     </p:spTree>
   </p:cSld>
   <p:clrMapOvr>
@@ -5023,7 +5013,7 @@
       </p:grpSpPr>
       <p:sp>
         <p:nvSpPr>
-          <p:cNvPr id="18434" name="Title 1"/>
+          <p:cNvPr id="16386" name="Title 1"/>
           <p:cNvSpPr>
             <a:spLocks noGrp="1"/>
           </p:cNvSpPr>
@@ -5038,44 +5028,47 @@
           <a:p>
             <a:r>
               <a:rPr lang="en-US" dirty="0" smtClean="0"/>
-              <a:t>Adding Asset </a:t>
-            </a:r>
-            <a:r>
-              <a:rPr lang="en-US" dirty="0" smtClean="0"/>
-              <a:t>Store</a:t>
-            </a:r>
-            <a:endParaRPr lang="en-US" dirty="0" smtClean="0"/>
-          </a:p>
-        </p:txBody>
-      </p:sp>
-      <p:pic>
-        <p:nvPicPr>
-          <p:cNvPr id="18435" name="Picture 3"/>
-          <p:cNvPicPr>
-            <a:picLocks noChangeAspect="1"/>
-          </p:cNvPicPr>
-          <p:nvPr/>
-        </p:nvPicPr>
-        <p:blipFill>
-          <a:blip r:embed="rId2"/>
-          <a:stretch>
-            <a:fillRect/>
-          </a:stretch>
-        </p:blipFill>
-        <p:spPr bwMode="auto">
-          <a:xfrm>
-            <a:off x="474472" y="1675148"/>
-            <a:ext cx="8195056" cy="5040000"/>
-          </a:xfrm>
-          <a:prstGeom prst="rect">
-            <a:avLst/>
-          </a:prstGeom>
-          <a:noFill/>
-          <a:ln>
-            <a:noFill/>
-          </a:ln>
-        </p:spPr>
-      </p:pic>
+              <a:t>Custom Layouts</a:t>
+            </a:r>
+          </a:p>
+        </p:txBody>
+      </p:sp>
+      <p:sp>
+        <p:nvSpPr>
+          <p:cNvPr id="16387" name="Content Placeholder 2"/>
+          <p:cNvSpPr>
+            <a:spLocks noGrp="1"/>
+          </p:cNvSpPr>
+          <p:nvPr>
+            <p:ph idx="1"/>
+          </p:nvPr>
+        </p:nvSpPr>
+        <p:spPr/>
+        <p:txBody>
+          <a:bodyPr/>
+          <a:lstStyle/>
+          <a:p>
+            <a:r>
+              <a:rPr lang="en-US" smtClean="0"/>
+              <a:t>Demo in Unity</a:t>
+            </a:r>
+          </a:p>
+          <a:p>
+            <a:pPr lvl="1"/>
+            <a:r>
+              <a:rPr lang="en-US" smtClean="0"/>
+              <a:t>Scale window size</a:t>
+            </a:r>
+          </a:p>
+          <a:p>
+            <a:pPr lvl="1"/>
+            <a:r>
+              <a:rPr lang="en-US" smtClean="0"/>
+              <a:t>Change window locations</a:t>
+            </a:r>
+          </a:p>
+        </p:txBody>
+      </p:sp>
     </p:spTree>
   </p:cSld>
   <p:clrMapOvr>
@@ -5103,7 +5096,7 @@
       </p:grpSpPr>
       <p:sp>
         <p:nvSpPr>
-          <p:cNvPr id="19458" name="Title 1"/>
+          <p:cNvPr id="18434" name="Title 1"/>
           <p:cNvSpPr>
             <a:spLocks noGrp="1"/>
           </p:cNvSpPr>
@@ -5117,65 +5110,40 @@
           <a:lstStyle/>
           <a:p>
             <a:r>
-              <a:rPr lang="en-US" smtClean="0"/>
-              <a:t>Importing Assets from Store</a:t>
-            </a:r>
-          </a:p>
-        </p:txBody>
-      </p:sp>
-      <p:sp>
-        <p:nvSpPr>
-          <p:cNvPr id="19459" name="Content Placeholder 2"/>
-          <p:cNvSpPr>
-            <a:spLocks noGrp="1"/>
-          </p:cNvSpPr>
-          <p:nvPr>
-            <p:ph idx="1"/>
-          </p:nvPr>
-        </p:nvSpPr>
-        <p:spPr/>
-        <p:txBody>
-          <a:bodyPr/>
-          <a:lstStyle/>
-          <a:p>
-            <a:r>
-              <a:rPr lang="en-US" smtClean="0"/>
-              <a:t>Demo in Unity</a:t>
-            </a:r>
-          </a:p>
-          <a:p>
-            <a:pPr marL="685800" lvl="1"/>
-            <a:r>
-              <a:rPr lang="en-US" smtClean="0"/>
-              <a:t>Navigate to Props</a:t>
-            </a:r>
-          </a:p>
-          <a:p>
-            <a:pPr marL="685800" lvl="1"/>
-            <a:r>
-              <a:rPr lang="en-US" smtClean="0"/>
-              <a:t>Sort by FREE assets</a:t>
-            </a:r>
-          </a:p>
-          <a:p>
-            <a:pPr marL="685800" lvl="1"/>
-            <a:r>
-              <a:rPr lang="en-US" smtClean="0"/>
-              <a:t>Find asset pack (Low Poly Survival Essentials)</a:t>
-            </a:r>
-          </a:p>
-          <a:p>
-            <a:pPr marL="685800" lvl="1"/>
-            <a:r>
-              <a:rPr lang="en-US" smtClean="0"/>
-              <a:t>Download/Import pack</a:t>
-            </a:r>
-          </a:p>
-          <a:p>
-            <a:endParaRPr lang="en-US" smtClean="0"/>
-          </a:p>
-        </p:txBody>
-      </p:sp>
+              <a:rPr lang="en-US" dirty="0" smtClean="0"/>
+              <a:t>Adding Asset Store</a:t>
+            </a:r>
+          </a:p>
+        </p:txBody>
+      </p:sp>
+      <p:pic>
+        <p:nvPicPr>
+          <p:cNvPr id="18435" name="Picture 3"/>
+          <p:cNvPicPr>
+            <a:picLocks noChangeAspect="1"/>
+          </p:cNvPicPr>
+          <p:nvPr/>
+        </p:nvPicPr>
+        <p:blipFill>
+          <a:blip r:embed="rId2"/>
+          <a:stretch>
+            <a:fillRect/>
+          </a:stretch>
+        </p:blipFill>
+        <p:spPr bwMode="auto">
+          <a:xfrm>
+            <a:off x="474472" y="1675148"/>
+            <a:ext cx="8195056" cy="5040000"/>
+          </a:xfrm>
+          <a:prstGeom prst="rect">
+            <a:avLst/>
+          </a:prstGeom>
+          <a:noFill/>
+          <a:ln>
+            <a:noFill/>
+          </a:ln>
+        </p:spPr>
+      </p:pic>
     </p:spTree>
   </p:cSld>
   <p:clrMapOvr>
@@ -5203,7 +5171,7 @@
       </p:grpSpPr>
       <p:sp>
         <p:nvSpPr>
-          <p:cNvPr id="21506" name="Title 1"/>
+          <p:cNvPr id="19458" name="Title 1"/>
           <p:cNvSpPr>
             <a:spLocks noGrp="1"/>
           </p:cNvSpPr>
@@ -5218,14 +5186,14 @@
           <a:p>
             <a:r>
               <a:rPr lang="en-US" smtClean="0"/>
-              <a:t>Adding Objects to Scene</a:t>
-            </a:r>
-          </a:p>
-        </p:txBody>
-      </p:sp>
-      <p:sp>
-        <p:nvSpPr>
-          <p:cNvPr id="21507" name="Content Placeholder 2"/>
+              <a:t>Importing Assets from Store</a:t>
+            </a:r>
+          </a:p>
+        </p:txBody>
+      </p:sp>
+      <p:sp>
+        <p:nvSpPr>
+          <p:cNvPr id="19459" name="Content Placeholder 2"/>
           <p:cNvSpPr>
             <a:spLocks noGrp="1"/>
           </p:cNvSpPr>
@@ -5239,47 +5207,40 @@
           <a:lstStyle/>
           <a:p>
             <a:r>
-              <a:rPr lang="en-US" dirty="0" smtClean="0"/>
-              <a:t>In the Project Window, navigate to </a:t>
-            </a:r>
-            <a:r>
-              <a:rPr lang="en-US" dirty="0" smtClean="0"/>
-              <a:t>any assets</a:t>
-            </a:r>
-            <a:endParaRPr lang="en-US" dirty="0" smtClean="0"/>
-          </a:p>
-          <a:p>
-            <a:r>
-              <a:rPr lang="en-US" dirty="0" smtClean="0"/>
-              <a:t>Drag </a:t>
-            </a:r>
-            <a:r>
-              <a:rPr lang="en-US" dirty="0" smtClean="0"/>
-              <a:t>and drop </a:t>
-            </a:r>
-            <a:r>
-              <a:rPr lang="en-US" dirty="0" smtClean="0"/>
-              <a:t>assets into scene </a:t>
-            </a:r>
-            <a:r>
-              <a:rPr lang="en-US" dirty="0" smtClean="0"/>
-              <a:t>and set location to (0,0,0)</a:t>
-            </a:r>
-          </a:p>
-          <a:p>
-            <a:r>
-              <a:rPr lang="en-US" dirty="0" smtClean="0">
-                <a:sym typeface="Wingdings" pitchFamily="2" charset="2"/>
-              </a:rPr>
-              <a:t>Move </a:t>
-            </a:r>
-            <a:r>
-              <a:rPr lang="en-US" dirty="0" smtClean="0">
-                <a:sym typeface="Wingdings" pitchFamily="2" charset="2"/>
-              </a:rPr>
-              <a:t>camera to see scene in Game View</a:t>
-            </a:r>
-            <a:endParaRPr lang="en-US" dirty="0" smtClean="0"/>
+              <a:rPr lang="en-US" smtClean="0"/>
+              <a:t>Demo in Unity</a:t>
+            </a:r>
+          </a:p>
+          <a:p>
+            <a:pPr marL="685800" lvl="1"/>
+            <a:r>
+              <a:rPr lang="en-US" smtClean="0"/>
+              <a:t>Navigate to Props</a:t>
+            </a:r>
+          </a:p>
+          <a:p>
+            <a:pPr marL="685800" lvl="1"/>
+            <a:r>
+              <a:rPr lang="en-US" smtClean="0"/>
+              <a:t>Sort by FREE assets</a:t>
+            </a:r>
+          </a:p>
+          <a:p>
+            <a:pPr marL="685800" lvl="1"/>
+            <a:r>
+              <a:rPr lang="en-US" smtClean="0"/>
+              <a:t>Find asset pack (Low Poly Survival Essentials)</a:t>
+            </a:r>
+          </a:p>
+          <a:p>
+            <a:pPr marL="685800" lvl="1"/>
+            <a:r>
+              <a:rPr lang="en-US" smtClean="0"/>
+              <a:t>Download/Import pack</a:t>
+            </a:r>
+          </a:p>
+          <a:p>
+            <a:endParaRPr lang="en-US" smtClean="0"/>
           </a:p>
         </p:txBody>
       </p:sp>
@@ -5310,7 +5271,7 @@
       </p:grpSpPr>
       <p:sp>
         <p:nvSpPr>
-          <p:cNvPr id="22530" name="Title 1"/>
+          <p:cNvPr id="21506" name="Title 1"/>
           <p:cNvSpPr>
             <a:spLocks noGrp="1"/>
           </p:cNvSpPr>
@@ -5323,13 +5284,16 @@
           <a:bodyPr/>
           <a:lstStyle/>
           <a:p>
-            <a:endParaRPr lang="en-US" smtClean="0"/>
-          </a:p>
-        </p:txBody>
-      </p:sp>
-      <p:sp>
-        <p:nvSpPr>
-          <p:cNvPr id="22531" name="Content Placeholder 2"/>
+            <a:r>
+              <a:rPr lang="en-US" smtClean="0"/>
+              <a:t>Adding Objects to Scene</a:t>
+            </a:r>
+          </a:p>
+        </p:txBody>
+      </p:sp>
+      <p:sp>
+        <p:nvSpPr>
+          <p:cNvPr id="21507" name="Content Placeholder 2"/>
           <p:cNvSpPr>
             <a:spLocks noGrp="1"/>
           </p:cNvSpPr>
@@ -5342,42 +5306,28 @@
           <a:bodyPr/>
           <a:lstStyle/>
           <a:p>
-            <a:endParaRPr lang="en-US" smtClean="0"/>
-          </a:p>
-        </p:txBody>
-      </p:sp>
-      <p:pic>
-        <p:nvPicPr>
-          <p:cNvPr id="22532" name="Picture 3"/>
-          <p:cNvPicPr>
-            <a:picLocks noChangeAspect="1"/>
-          </p:cNvPicPr>
-          <p:nvPr/>
-        </p:nvPicPr>
-        <p:blipFill>
-          <a:blip r:embed="rId2"/>
-          <a:srcRect/>
-          <a:stretch>
-            <a:fillRect/>
-          </a:stretch>
-        </p:blipFill>
-        <p:spPr bwMode="auto">
-          <a:xfrm>
-            <a:off x="161925" y="133350"/>
-            <a:ext cx="8820150" cy="6591300"/>
-          </a:xfrm>
-          <a:prstGeom prst="rect">
-            <a:avLst/>
-          </a:prstGeom>
-          <a:noFill/>
-          <a:ln w="9525">
-            <a:noFill/>
-            <a:miter lim="800000"/>
-            <a:headEnd/>
-            <a:tailEnd/>
-          </a:ln>
-        </p:spPr>
-      </p:pic>
+            <a:r>
+              <a:rPr lang="en-US" dirty="0" smtClean="0"/>
+              <a:t>In the Project Window, navigate to any assets</a:t>
+            </a:r>
+          </a:p>
+          <a:p>
+            <a:r>
+              <a:rPr lang="en-US" dirty="0" smtClean="0"/>
+              <a:t>Drag and drop assets into scene and set location to (0,0,0)</a:t>
+            </a:r>
+          </a:p>
+          <a:p>
+            <a:r>
+              <a:rPr lang="en-US" dirty="0" smtClean="0">
+                <a:sym typeface="Wingdings" pitchFamily="2" charset="2"/>
+              </a:rPr>
+              <a:t>Move camera to see scene in Game View</a:t>
+            </a:r>
+            <a:endParaRPr lang="en-US" dirty="0" smtClean="0"/>
+          </a:p>
+        </p:txBody>
+      </p:sp>
     </p:spTree>
   </p:cSld>
   <p:clrMapOvr>
@@ -5420,7 +5370,7 @@
           <a:p>
             <a:r>
               <a:rPr lang="en-MY" dirty="0" smtClean="0"/>
-              <a:t>Perak Technology</a:t>
+              <a:t>Before We Start</a:t>
             </a:r>
             <a:endParaRPr lang="en-US" dirty="0"/>
           </a:p>
@@ -5438,48 +5388,42 @@
         </p:nvSpPr>
         <p:spPr/>
         <p:txBody>
-          <a:bodyPr>
-            <a:noAutofit/>
-          </a:bodyPr>
-          <a:lstStyle/>
-          <a:p>
-            <a:r>
-              <a:rPr lang="en-MY" sz="2600" dirty="0" smtClean="0"/>
-              <a:t>Perak ICT Community</a:t>
-            </a:r>
-          </a:p>
-          <a:p>
-            <a:r>
-              <a:rPr lang="en-MY" sz="2600" dirty="0" smtClean="0"/>
-              <a:t>Gather all ICT and technology expert from all over Perak.</a:t>
-            </a:r>
-          </a:p>
-          <a:p>
-            <a:r>
-              <a:rPr lang="en-MY" sz="2600" dirty="0" smtClean="0"/>
-              <a:t>Bring all ICT and technology event and program back to Perak State.</a:t>
-            </a:r>
-          </a:p>
-          <a:p>
-            <a:r>
-              <a:rPr lang="en-MY" sz="2600" dirty="0" smtClean="0"/>
-              <a:t>Boost ICT and technology industries in Perak.</a:t>
-            </a:r>
-          </a:p>
-          <a:p>
-            <a:r>
-              <a:rPr lang="en-MY" sz="2600" dirty="0" smtClean="0"/>
-              <a:t>Expose new technology and ICT services to Perak citizen.</a:t>
-            </a:r>
-          </a:p>
-          <a:p>
-            <a:r>
-              <a:rPr lang="en-MY" sz="2600" dirty="0" smtClean="0"/>
-              <a:t>Link: https://peraktechnology.com</a:t>
-            </a:r>
-          </a:p>
-          <a:p>
-            <a:endParaRPr lang="en-US" sz="2600" dirty="0"/>
+          <a:bodyPr/>
+          <a:lstStyle/>
+          <a:p>
+            <a:r>
+              <a:rPr lang="en-MY" dirty="0" smtClean="0"/>
+              <a:t>Install Git</a:t>
+            </a:r>
+          </a:p>
+          <a:p>
+            <a:r>
+              <a:rPr lang="en-MY" dirty="0" smtClean="0"/>
+              <a:t>Open Command Prompt</a:t>
+            </a:r>
+          </a:p>
+          <a:p>
+            <a:r>
+              <a:rPr lang="en-MY" dirty="0" smtClean="0"/>
+              <a:t>Run this command</a:t>
+            </a:r>
+          </a:p>
+          <a:p>
+            <a:pPr marL="808038" lvl="3" indent="-209550"/>
+            <a:r>
+              <a:rPr lang="en-MY" sz="2200" dirty="0" smtClean="0"/>
+              <a:t>git clone https://github.com/peraktechnology/unity</a:t>
+            </a:r>
+            <a:endParaRPr lang="en-MY" sz="2200" dirty="0" smtClean="0"/>
+          </a:p>
+          <a:p>
+            <a:endParaRPr lang="en-MY" dirty="0" smtClean="0"/>
+          </a:p>
+          <a:p>
+            <a:pPr marL="259398" lvl="1" indent="-209550">
+              <a:buNone/>
+            </a:pPr>
+            <a:endParaRPr lang="en-US" sz="2800" dirty="0"/>
           </a:p>
         </p:txBody>
       </p:sp>
@@ -5488,13 +5432,6 @@
   <p:clrMapOvr>
     <a:masterClrMapping/>
   </p:clrMapOvr>
-  <p:timing>
-    <p:tnLst>
-      <p:par>
-        <p:cTn id="1" dur="indefinite" restart="never" nodeType="tmRoot"/>
-      </p:par>
-    </p:tnLst>
-  </p:timing>
 </p:sld>
 </file>
 
@@ -5517,7 +5454,7 @@
       </p:grpSpPr>
       <p:sp>
         <p:nvSpPr>
-          <p:cNvPr id="23554" name="Title 1"/>
+          <p:cNvPr id="22530" name="Title 1"/>
           <p:cNvSpPr>
             <a:spLocks noGrp="1"/>
           </p:cNvSpPr>
@@ -5530,22 +5467,13 @@
           <a:bodyPr/>
           <a:lstStyle/>
           <a:p>
-            <a:r>
-              <a:rPr lang="en-US" smtClean="0"/>
-              <a:t>Scene Management</a:t>
-            </a:r>
-          </a:p>
-        </p:txBody>
-      </p:sp>
-      <p:sp>
-        <p:nvSpPr>
-          <p:cNvPr id="3" name="Content Placeholder 2">
-            <a:extLst>
-              <a:ext uri="{FF2B5EF4-FFF2-40B4-BE49-F238E27FC236}">
-                <a16:creationId xmlns:a16="http://schemas.microsoft.com/office/drawing/2014/main" xmlns="" id="{490B2160-7A54-424F-83AD-4F965540A348}"/>
-              </a:ext>
-            </a:extLst>
-          </p:cNvPr>
+            <a:endParaRPr lang="en-US" smtClean="0"/>
+          </a:p>
+        </p:txBody>
+      </p:sp>
+      <p:sp>
+        <p:nvSpPr>
+          <p:cNvPr id="22531" name="Content Placeholder 2"/>
           <p:cNvSpPr>
             <a:spLocks noGrp="1"/>
           </p:cNvSpPr>
@@ -5555,48 +5483,16 @@
         </p:nvSpPr>
         <p:spPr/>
         <p:txBody>
-          <a:bodyPr rtlCol="0">
-            <a:normAutofit/>
-          </a:bodyPr>
-          <a:lstStyle/>
-          <a:p>
-            <a:pPr fontAlgn="auto">
-              <a:spcAft>
-                <a:spcPts val="0"/>
-              </a:spcAft>
-              <a:buFont typeface="Wingdings 3" charset="2"/>
-              <a:buChar char=""/>
-              <a:defRPr/>
-            </a:pPr>
-            <a:r>
-              <a:rPr lang="en-US" dirty="0"/>
-              <a:t>Use Empty Game Objects to create a “Folder Structure</a:t>
-            </a:r>
-            <a:r>
-              <a:rPr lang="en-US" dirty="0" smtClean="0"/>
-              <a:t>”</a:t>
-            </a:r>
-          </a:p>
-          <a:p>
-            <a:pPr marL="0" indent="0" fontAlgn="auto">
-              <a:spcAft>
-                <a:spcPts val="0"/>
-              </a:spcAft>
-              <a:buFont typeface="Wingdings 3" charset="2"/>
-              <a:buNone/>
-              <a:defRPr/>
-            </a:pPr>
-            <a:r>
-              <a:rPr lang="en-US" dirty="0" smtClean="0"/>
-              <a:t>           Before                               After</a:t>
-            </a:r>
-            <a:endParaRPr lang="en-US" dirty="0"/>
+          <a:bodyPr/>
+          <a:lstStyle/>
+          <a:p>
+            <a:endParaRPr lang="en-US" smtClean="0"/>
           </a:p>
         </p:txBody>
       </p:sp>
       <p:pic>
         <p:nvPicPr>
-          <p:cNvPr id="23556" name="Picture 4"/>
+          <p:cNvPr id="22532" name="Picture 3"/>
           <p:cNvPicPr>
             <a:picLocks noChangeAspect="1"/>
           </p:cNvPicPr>
@@ -5604,49 +5500,25 @@
         </p:nvPicPr>
         <p:blipFill>
           <a:blip r:embed="rId2"/>
+          <a:srcRect/>
           <a:stretch>
             <a:fillRect/>
           </a:stretch>
         </p:blipFill>
         <p:spPr bwMode="auto">
           <a:xfrm>
-            <a:off x="500034" y="3714752"/>
-            <a:ext cx="3775417" cy="2520000"/>
+            <a:off x="161925" y="133350"/>
+            <a:ext cx="8820150" cy="6591300"/>
           </a:xfrm>
           <a:prstGeom prst="rect">
             <a:avLst/>
           </a:prstGeom>
           <a:noFill/>
-          <a:ln>
+          <a:ln w="9525">
             <a:noFill/>
-          </a:ln>
-        </p:spPr>
-      </p:pic>
-      <p:pic>
-        <p:nvPicPr>
-          <p:cNvPr id="23557" name="Picture 6"/>
-          <p:cNvPicPr>
-            <a:picLocks noChangeAspect="1"/>
-          </p:cNvPicPr>
-          <p:nvPr/>
-        </p:nvPicPr>
-        <p:blipFill>
-          <a:blip r:embed="rId3"/>
-          <a:stretch>
-            <a:fillRect/>
-          </a:stretch>
-        </p:blipFill>
-        <p:spPr bwMode="auto">
-          <a:xfrm>
-            <a:off x="4776861" y="3692272"/>
-            <a:ext cx="3938543" cy="2880000"/>
-          </a:xfrm>
-          <a:prstGeom prst="rect">
-            <a:avLst/>
-          </a:prstGeom>
-          <a:noFill/>
-          <a:ln>
-            <a:noFill/>
+            <a:miter lim="800000"/>
+            <a:headEnd/>
+            <a:tailEnd/>
           </a:ln>
         </p:spPr>
       </p:pic>
@@ -5677,7 +5549,7 @@
       </p:grpSpPr>
       <p:sp>
         <p:nvSpPr>
-          <p:cNvPr id="24578" name="Title 1"/>
+          <p:cNvPr id="23554" name="Title 1"/>
           <p:cNvSpPr>
             <a:spLocks noGrp="1"/>
           </p:cNvSpPr>
@@ -5692,14 +5564,20 @@
           <a:p>
             <a:r>
               <a:rPr lang="en-US" smtClean="0"/>
-              <a:t>Using Prefabs</a:t>
-            </a:r>
-          </a:p>
-        </p:txBody>
-      </p:sp>
-      <p:sp>
-        <p:nvSpPr>
-          <p:cNvPr id="24579" name="Content Placeholder 2"/>
+              <a:t>Scene Management</a:t>
+            </a:r>
+          </a:p>
+        </p:txBody>
+      </p:sp>
+      <p:sp>
+        <p:nvSpPr>
+          <p:cNvPr id="3" name="Content Placeholder 2">
+            <a:extLst>
+              <a:ext uri="{FF2B5EF4-FFF2-40B4-BE49-F238E27FC236}">
+                <a16:creationId xmlns="" xmlns:a16="http://schemas.microsoft.com/office/drawing/2014/main" id="{490B2160-7A54-424F-83AD-4F965540A348}"/>
+              </a:ext>
+            </a:extLst>
+          </p:cNvPr>
           <p:cNvSpPr>
             <a:spLocks noGrp="1"/>
           </p:cNvSpPr>
@@ -5709,27 +5587,101 @@
         </p:nvSpPr>
         <p:spPr/>
         <p:txBody>
-          <a:bodyPr/>
-          <a:lstStyle/>
-          <a:p>
+          <a:bodyPr rtlCol="0">
+            <a:normAutofit/>
+          </a:bodyPr>
+          <a:lstStyle/>
+          <a:p>
+            <a:pPr fontAlgn="auto">
+              <a:spcAft>
+                <a:spcPts val="0"/>
+              </a:spcAft>
+              <a:buFont typeface="Wingdings 3" charset="2"/>
+              <a:buChar char=""/>
+              <a:defRPr/>
+            </a:pPr>
+            <a:r>
+              <a:rPr lang="en-US" dirty="0"/>
+              <a:t>Use Empty Game Objects to create a “Folder Structure</a:t>
+            </a:r>
             <a:r>
               <a:rPr lang="en-US" dirty="0" smtClean="0"/>
-              <a:t>Prefabs are a valuable resource to use in developing your scene</a:t>
-            </a:r>
-          </a:p>
-          <a:p>
+              <a:t>”</a:t>
+            </a:r>
+          </a:p>
+          <a:p>
+            <a:pPr marL="0" indent="0" fontAlgn="auto">
+              <a:spcAft>
+                <a:spcPts val="0"/>
+              </a:spcAft>
+              <a:buFont typeface="Wingdings 3" charset="2"/>
+              <a:buNone/>
+              <a:defRPr/>
+            </a:pPr>
             <a:r>
               <a:rPr lang="en-US" dirty="0" smtClean="0"/>
-              <a:t>A prefab is an object or a group of objects that can be saved for easy use and </a:t>
-            </a:r>
-            <a:r>
-              <a:rPr lang="en-US" dirty="0" smtClean="0"/>
-              <a:t>manipulation</a:t>
-            </a:r>
-            <a:endParaRPr lang="en-US" dirty="0" smtClean="0"/>
-          </a:p>
-        </p:txBody>
-      </p:sp>
+              <a:t>           Before                               After</a:t>
+            </a:r>
+            <a:endParaRPr lang="en-US" dirty="0"/>
+          </a:p>
+        </p:txBody>
+      </p:sp>
+      <p:pic>
+        <p:nvPicPr>
+          <p:cNvPr id="23556" name="Picture 4"/>
+          <p:cNvPicPr>
+            <a:picLocks noChangeAspect="1"/>
+          </p:cNvPicPr>
+          <p:nvPr/>
+        </p:nvPicPr>
+        <p:blipFill>
+          <a:blip r:embed="rId2"/>
+          <a:stretch>
+            <a:fillRect/>
+          </a:stretch>
+        </p:blipFill>
+        <p:spPr bwMode="auto">
+          <a:xfrm>
+            <a:off x="500034" y="3714752"/>
+            <a:ext cx="3775417" cy="2520000"/>
+          </a:xfrm>
+          <a:prstGeom prst="rect">
+            <a:avLst/>
+          </a:prstGeom>
+          <a:noFill/>
+          <a:ln>
+            <a:noFill/>
+          </a:ln>
+        </p:spPr>
+      </p:pic>
+      <p:pic>
+        <p:nvPicPr>
+          <p:cNvPr id="23557" name="Picture 6"/>
+          <p:cNvPicPr>
+            <a:picLocks noChangeAspect="1"/>
+          </p:cNvPicPr>
+          <p:nvPr/>
+        </p:nvPicPr>
+        <p:blipFill>
+          <a:blip r:embed="rId3"/>
+          <a:stretch>
+            <a:fillRect/>
+          </a:stretch>
+        </p:blipFill>
+        <p:spPr bwMode="auto">
+          <a:xfrm>
+            <a:off x="4776861" y="3692272"/>
+            <a:ext cx="3938543" cy="2880000"/>
+          </a:xfrm>
+          <a:prstGeom prst="rect">
+            <a:avLst/>
+          </a:prstGeom>
+          <a:noFill/>
+          <a:ln>
+            <a:noFill/>
+          </a:ln>
+        </p:spPr>
+      </p:pic>
     </p:spTree>
   </p:cSld>
   <p:clrMapOvr>
@@ -5757,6 +5709,81 @@
       </p:grpSpPr>
       <p:sp>
         <p:nvSpPr>
+          <p:cNvPr id="24578" name="Title 1"/>
+          <p:cNvSpPr>
+            <a:spLocks noGrp="1"/>
+          </p:cNvSpPr>
+          <p:nvPr>
+            <p:ph type="title"/>
+          </p:nvPr>
+        </p:nvSpPr>
+        <p:spPr/>
+        <p:txBody>
+          <a:bodyPr/>
+          <a:lstStyle/>
+          <a:p>
+            <a:r>
+              <a:rPr lang="en-US" smtClean="0"/>
+              <a:t>Using Prefabs</a:t>
+            </a:r>
+          </a:p>
+        </p:txBody>
+      </p:sp>
+      <p:sp>
+        <p:nvSpPr>
+          <p:cNvPr id="24579" name="Content Placeholder 2"/>
+          <p:cNvSpPr>
+            <a:spLocks noGrp="1"/>
+          </p:cNvSpPr>
+          <p:nvPr>
+            <p:ph idx="1"/>
+          </p:nvPr>
+        </p:nvSpPr>
+        <p:spPr/>
+        <p:txBody>
+          <a:bodyPr/>
+          <a:lstStyle/>
+          <a:p>
+            <a:r>
+              <a:rPr lang="en-US" dirty="0" smtClean="0"/>
+              <a:t>Prefabs are a valuable resource to use in developing your scene</a:t>
+            </a:r>
+          </a:p>
+          <a:p>
+            <a:r>
+              <a:rPr lang="en-US" dirty="0" smtClean="0"/>
+              <a:t>A prefab is an object or a group of objects that can be saved for easy use and manipulation</a:t>
+            </a:r>
+          </a:p>
+        </p:txBody>
+      </p:sp>
+    </p:spTree>
+  </p:cSld>
+  <p:clrMapOvr>
+    <a:masterClrMapping/>
+  </p:clrMapOvr>
+</p:sld>
+</file>
+
+<file path=ppt/slides/slide23.xml><?xml version="1.0" encoding="utf-8"?>
+<p:sld xmlns:a="http://schemas.openxmlformats.org/drawingml/2006/main" xmlns:r="http://schemas.openxmlformats.org/officeDocument/2006/relationships" xmlns:p="http://schemas.openxmlformats.org/presentationml/2006/main">
+  <p:cSld>
+    <p:spTree>
+      <p:nvGrpSpPr>
+        <p:cNvPr id="1" name=""/>
+        <p:cNvGrpSpPr/>
+        <p:nvPr/>
+      </p:nvGrpSpPr>
+      <p:grpSpPr>
+        <a:xfrm>
+          <a:off x="0" y="0"/>
+          <a:ext cx="0" cy="0"/>
+          <a:chOff x="0" y="0"/>
+          <a:chExt cx="0" cy="0"/>
+        </a:xfrm>
+      </p:grpSpPr>
+      <p:sp>
+        <p:nvSpPr>
           <p:cNvPr id="2" name="Title 1"/>
           <p:cNvSpPr>
             <a:spLocks noGrp="1"/>
@@ -5828,7 +5855,6 @@
               <a:rPr lang="en-MY" dirty="0" smtClean="0"/>
               <a:t>Copy all content into Assets folder</a:t>
             </a:r>
-            <a:endParaRPr lang="en-MY" dirty="0" smtClean="0"/>
           </a:p>
           <a:p>
             <a:endParaRPr lang="en-MY" dirty="0" smtClean="0"/>
@@ -5883,15 +5909,7 @@
           <a:p>
             <a:r>
               <a:rPr lang="en-MY" dirty="0" smtClean="0"/>
-              <a:t>Bandar </a:t>
-            </a:r>
-            <a:r>
-              <a:rPr lang="en-MY" dirty="0" err="1" smtClean="0"/>
-              <a:t>Meru</a:t>
-            </a:r>
-            <a:r>
-              <a:rPr lang="en-MY" dirty="0" smtClean="0"/>
-              <a:t> Raya Shop</a:t>
+              <a:t>Perak Technology</a:t>
             </a:r>
             <a:endParaRPr lang="en-US" dirty="0"/>
           </a:p>
@@ -5910,48 +5928,46 @@
         <p:spPr/>
         <p:txBody>
           <a:bodyPr>
-            <a:normAutofit/>
+            <a:noAutofit/>
           </a:bodyPr>
           <a:lstStyle/>
           <a:p>
             <a:r>
-              <a:rPr lang="en-US" sz="2600" dirty="0" smtClean="0"/>
-              <a:t>Bandar </a:t>
-            </a:r>
-            <a:r>
-              <a:rPr lang="en-US" sz="2600" dirty="0" err="1" smtClean="0"/>
-              <a:t>Meru</a:t>
-            </a:r>
-            <a:r>
-              <a:rPr lang="en-US" sz="2600" dirty="0" smtClean="0"/>
-              <a:t> Raya Shop encourage startups and e-commerce entrepreneurs to do online business using social media.</a:t>
-            </a:r>
-          </a:p>
-          <a:p>
-            <a:r>
-              <a:rPr lang="en-US" sz="2600" dirty="0" smtClean="0"/>
-              <a:t>Promote to Perak citizen for fully utilize the latest technology in daily life. </a:t>
-            </a:r>
-          </a:p>
-          <a:p>
-            <a:r>
-              <a:rPr lang="en-US" sz="2600" dirty="0" smtClean="0"/>
-              <a:t>Turn Bandar </a:t>
-            </a:r>
-            <a:r>
-              <a:rPr lang="en-US" sz="2600" dirty="0" err="1" smtClean="0"/>
-              <a:t>Meru</a:t>
-            </a:r>
-            <a:r>
-              <a:rPr lang="en-US" sz="2600" dirty="0" smtClean="0"/>
-              <a:t> Raya into the centre of the online marketplace in Perak by the end of 2019.</a:t>
-            </a:r>
-          </a:p>
-          <a:p>
-            <a:r>
               <a:rPr lang="en-MY" sz="2600" dirty="0" smtClean="0"/>
-              <a:t>Link: https://bandarmeruraya.com</a:t>
-            </a:r>
+              <a:t>Perak ICT Community</a:t>
+            </a:r>
+          </a:p>
+          <a:p>
+            <a:r>
+              <a:rPr lang="en-MY" sz="2600" dirty="0" smtClean="0"/>
+              <a:t>Gather all ICT and technology expert from all over Perak.</a:t>
+            </a:r>
+          </a:p>
+          <a:p>
+            <a:r>
+              <a:rPr lang="en-MY" sz="2600" dirty="0" smtClean="0"/>
+              <a:t>Bring all ICT and technology event and program back to Perak State.</a:t>
+            </a:r>
+          </a:p>
+          <a:p>
+            <a:r>
+              <a:rPr lang="en-MY" sz="2600" dirty="0" smtClean="0"/>
+              <a:t>Boost ICT and technology industries in Perak.</a:t>
+            </a:r>
+          </a:p>
+          <a:p>
+            <a:r>
+              <a:rPr lang="en-MY" sz="2600" dirty="0" smtClean="0"/>
+              <a:t>Expose new technology and ICT services to Perak citizen.</a:t>
+            </a:r>
+          </a:p>
+          <a:p>
+            <a:r>
+              <a:rPr lang="en-MY" sz="2600" dirty="0" smtClean="0"/>
+              <a:t>Link: https://peraktechnology.com</a:t>
+            </a:r>
+          </a:p>
+          <a:p>
             <a:endParaRPr lang="en-US" sz="2600" dirty="0"/>
           </a:p>
         </p:txBody>
@@ -6005,7 +6021,15 @@
           <a:p>
             <a:r>
               <a:rPr lang="en-MY" dirty="0" smtClean="0"/>
-              <a:t>Perak Technology Session</a:t>
+              <a:t>Bandar </a:t>
+            </a:r>
+            <a:r>
+              <a:rPr lang="en-MY" dirty="0" err="1" smtClean="0"/>
+              <a:t>Meru</a:t>
+            </a:r>
+            <a:r>
+              <a:rPr lang="en-MY" dirty="0" smtClean="0"/>
+              <a:t> Raya Shop</a:t>
             </a:r>
             <a:endParaRPr lang="en-US" dirty="0"/>
           </a:p>
@@ -6024,54 +6048,48 @@
         <p:spPr/>
         <p:txBody>
           <a:bodyPr>
-            <a:noAutofit/>
+            <a:normAutofit/>
           </a:bodyPr>
           <a:lstStyle/>
           <a:p>
             <a:r>
+              <a:rPr lang="en-US" sz="2600" dirty="0" smtClean="0"/>
+              <a:t>Bandar </a:t>
+            </a:r>
+            <a:r>
+              <a:rPr lang="en-US" sz="2600" dirty="0" err="1" smtClean="0"/>
+              <a:t>Meru</a:t>
+            </a:r>
+            <a:r>
+              <a:rPr lang="en-US" sz="2600" dirty="0" smtClean="0"/>
+              <a:t> Raya Shop encourage startups and e-commerce entrepreneurs to do online business using social media.</a:t>
+            </a:r>
+          </a:p>
+          <a:p>
+            <a:r>
+              <a:rPr lang="en-US" sz="2600" dirty="0" smtClean="0"/>
+              <a:t>Promote to Perak citizen for fully utilize the latest technology in daily life. </a:t>
+            </a:r>
+          </a:p>
+          <a:p>
+            <a:r>
+              <a:rPr lang="en-US" sz="2600" dirty="0" smtClean="0"/>
+              <a:t>Turn Bandar </a:t>
+            </a:r>
+            <a:r>
+              <a:rPr lang="en-US" sz="2600" dirty="0" err="1" smtClean="0"/>
+              <a:t>Meru</a:t>
+            </a:r>
+            <a:r>
+              <a:rPr lang="en-US" sz="2600" dirty="0" smtClean="0"/>
+              <a:t> Raya into the centre of the online marketplace in Perak by the end of 2019.</a:t>
+            </a:r>
+          </a:p>
+          <a:p>
+            <a:r>
               <a:rPr lang="en-MY" sz="2600" dirty="0" smtClean="0"/>
-              <a:t>Knowledge sharing program for Perak Technology community</a:t>
-            </a:r>
-          </a:p>
-          <a:p>
-            <a:r>
-              <a:rPr lang="en-MY" sz="2600" dirty="0" smtClean="0"/>
-              <a:t>Run in different city in Perak every two month.</a:t>
-            </a:r>
-          </a:p>
-          <a:p>
-            <a:r>
-              <a:rPr lang="en-MY" sz="2600" dirty="0" smtClean="0"/>
-              <a:t>Sponsored by Bandar </a:t>
-            </a:r>
-            <a:r>
-              <a:rPr lang="en-MY" sz="2600" dirty="0" err="1" smtClean="0"/>
-              <a:t>Meru</a:t>
-            </a:r>
-            <a:r>
-              <a:rPr lang="en-MY" sz="2600" dirty="0" smtClean="0"/>
-              <a:t> Raya Shop and any other related company.</a:t>
-            </a:r>
-          </a:p>
-          <a:p>
-            <a:r>
-              <a:rPr lang="en-MY" sz="2600" dirty="0" smtClean="0"/>
-              <a:t>Allow Perak Technology community member to present any ICT and technology related stuff.</a:t>
-            </a:r>
-          </a:p>
-          <a:p>
-            <a:r>
-              <a:rPr lang="en-MY" sz="2600" dirty="0" smtClean="0"/>
-              <a:t>Open for sponsorship and support from local community</a:t>
-            </a:r>
-          </a:p>
-          <a:p>
-            <a:r>
-              <a:rPr lang="en-MY" sz="2600" dirty="0" smtClean="0"/>
-              <a:t>Link: http://telegram.me/peraktechnology</a:t>
-            </a:r>
-          </a:p>
-          <a:p>
+              <a:t>Link: https://bandarmeruraya.com</a:t>
+            </a:r>
             <a:endParaRPr lang="en-US" sz="2600" dirty="0"/>
           </a:p>
         </p:txBody>
@@ -6125,7 +6143,7 @@
           <a:p>
             <a:r>
               <a:rPr lang="en-MY" dirty="0" smtClean="0"/>
-              <a:t>Unity 3D</a:t>
+              <a:t>Perak Technology Session</a:t>
             </a:r>
             <a:endParaRPr lang="en-US" dirty="0"/>
           </a:p>
@@ -6149,105 +6167,50 @@
           <a:lstStyle/>
           <a:p>
             <a:r>
-              <a:rPr lang="en-US" sz="2600" dirty="0" smtClean="0"/>
-              <a:t>Cross-platform </a:t>
-            </a:r>
-            <a:r>
-              <a:rPr lang="en-US" sz="2600" dirty="0" smtClean="0"/>
-              <a:t>game </a:t>
-            </a:r>
-            <a:r>
-              <a:rPr lang="en-US" sz="2600" dirty="0" smtClean="0"/>
-              <a:t>engine</a:t>
-            </a:r>
-          </a:p>
-          <a:p>
-            <a:r>
-              <a:rPr lang="en-US" sz="2600" dirty="0" smtClean="0"/>
-              <a:t>Developed </a:t>
-            </a:r>
-            <a:r>
-              <a:rPr lang="en-US" sz="2600" dirty="0" smtClean="0"/>
-              <a:t>by Unity </a:t>
-            </a:r>
-            <a:r>
-              <a:rPr lang="en-US" sz="2600" dirty="0" smtClean="0"/>
-              <a:t>Technologies</a:t>
-            </a:r>
-          </a:p>
-          <a:p>
-            <a:r>
-              <a:rPr lang="en-US" sz="2600" dirty="0" smtClean="0"/>
-              <a:t>Create </a:t>
-            </a:r>
-            <a:r>
-              <a:rPr lang="en-US" sz="2600" dirty="0" smtClean="0"/>
-              <a:t>both </a:t>
-            </a:r>
-            <a:r>
-              <a:rPr lang="en-US" sz="2600" dirty="0" smtClean="0"/>
-              <a:t>three-dimensional and </a:t>
-            </a:r>
-            <a:r>
-              <a:rPr lang="en-US" sz="2600" dirty="0" smtClean="0"/>
-              <a:t>two-dimensional </a:t>
-            </a:r>
-            <a:r>
-              <a:rPr lang="en-US" sz="2600" dirty="0" smtClean="0"/>
-              <a:t>games</a:t>
-            </a:r>
-          </a:p>
-          <a:p>
-            <a:r>
-              <a:rPr lang="en-US" sz="2600" dirty="0" smtClean="0"/>
-              <a:t>Primary </a:t>
-            </a:r>
-            <a:r>
-              <a:rPr lang="en-US" sz="2600" dirty="0" smtClean="0"/>
-              <a:t>scripting API in C</a:t>
-            </a:r>
-            <a:r>
-              <a:rPr lang="en-US" sz="2600" dirty="0" smtClean="0"/>
-              <a:t>#</a:t>
-            </a:r>
-          </a:p>
-          <a:p>
-            <a:r>
-              <a:rPr lang="en-US" sz="2600" dirty="0" smtClean="0"/>
-              <a:t>Deploy games across </a:t>
-            </a:r>
-            <a:r>
-              <a:rPr lang="en-US" sz="2600" dirty="0" smtClean="0"/>
-              <a:t>mobile, desktop, VR/AR, consoles or the Web</a:t>
-            </a:r>
-            <a:endParaRPr lang="en-US" sz="2600" dirty="0" smtClean="0"/>
-          </a:p>
-          <a:p>
-            <a:r>
               <a:rPr lang="en-MY" sz="2600" dirty="0" smtClean="0"/>
-              <a:t>Link</a:t>
-            </a:r>
+              <a:t>Knowledge sharing program for Perak Technology community</a:t>
+            </a:r>
+          </a:p>
+          <a:p>
             <a:r>
               <a:rPr lang="en-MY" sz="2600" dirty="0" smtClean="0"/>
-              <a:t>: https</a:t>
-            </a:r>
+              <a:t>Run in different city in Perak every two month.</a:t>
+            </a:r>
+          </a:p>
+          <a:p>
             <a:r>
               <a:rPr lang="en-MY" sz="2600" dirty="0" smtClean="0"/>
-              <a:t>://unity3d.com</a:t>
-            </a:r>
-          </a:p>
-          <a:p>
+              <a:t>Sponsored by Bandar </a:t>
+            </a:r>
+            <a:r>
+              <a:rPr lang="en-MY" sz="2600" dirty="0" err="1" smtClean="0"/>
+              <a:t>Meru</a:t>
+            </a:r>
             <a:r>
               <a:rPr lang="en-MY" sz="2600" dirty="0" smtClean="0"/>
-              <a:t>User Group: http://t.me/unitymalaysia</a:t>
-            </a:r>
-            <a:endParaRPr lang="en-MY" sz="2600" dirty="0" smtClean="0"/>
-          </a:p>
-          <a:p>
-            <a:pPr>
-              <a:buNone/>
-            </a:pPr>
-            <a:endParaRPr lang="en-US" sz="2600" dirty="0" smtClean="0"/>
+              <a:t> Raya Shop and any other related company.</a:t>
+            </a:r>
+          </a:p>
+          <a:p>
+            <a:r>
+              <a:rPr lang="en-MY" sz="2600" dirty="0" smtClean="0"/>
+              <a:t>Allow Perak Technology community member to present any ICT and technology related stuff.</a:t>
+            </a:r>
+          </a:p>
+          <a:p>
+            <a:r>
+              <a:rPr lang="en-MY" sz="2600" dirty="0" smtClean="0"/>
+              <a:t>Open for sponsorship and support from local community</a:t>
+            </a:r>
+          </a:p>
+          <a:p>
+            <a:r>
+              <a:rPr lang="en-MY" sz="2600" dirty="0" smtClean="0"/>
+              <a:t>Link: http://telegram.me/peraktechnology</a:t>
+            </a:r>
+          </a:p>
+          <a:p>
+            <a:endParaRPr lang="en-US" sz="2600" dirty="0"/>
           </a:p>
         </p:txBody>
       </p:sp>
@@ -6299,12 +6262,8 @@
           <a:lstStyle/>
           <a:p>
             <a:r>
-              <a:rPr lang="en-MY" dirty="0" err="1" smtClean="0"/>
-              <a:t>Github</a:t>
-            </a:r>
-            <a:r>
               <a:rPr lang="en-MY" dirty="0" smtClean="0"/>
-              <a:t> Perak Technology</a:t>
+              <a:t>Unity 3D</a:t>
             </a:r>
             <a:endParaRPr lang="en-US" dirty="0"/>
           </a:p>
@@ -6322,20 +6281,57 @@
         </p:nvSpPr>
         <p:spPr/>
         <p:txBody>
-          <a:bodyPr/>
-          <a:lstStyle/>
-          <a:p>
-            <a:r>
-              <a:rPr lang="en-US" dirty="0" smtClean="0"/>
-              <a:t>https://</a:t>
-            </a:r>
-            <a:r>
-              <a:rPr lang="en-US" dirty="0" smtClean="0"/>
-              <a:t>github.com/peraktechnology</a:t>
-            </a:r>
-          </a:p>
-          <a:p>
-            <a:endParaRPr lang="en-US" dirty="0"/>
+          <a:bodyPr>
+            <a:noAutofit/>
+          </a:bodyPr>
+          <a:lstStyle/>
+          <a:p>
+            <a:r>
+              <a:rPr lang="en-US" sz="2600" dirty="0" smtClean="0"/>
+              <a:t>Cross-platform game engine</a:t>
+            </a:r>
+          </a:p>
+          <a:p>
+            <a:r>
+              <a:rPr lang="en-US" sz="2600" dirty="0" smtClean="0"/>
+              <a:t>Developed by Unity Technologies</a:t>
+            </a:r>
+          </a:p>
+          <a:p>
+            <a:r>
+              <a:rPr lang="en-US" sz="2600" dirty="0" smtClean="0"/>
+              <a:t>Create both three-dimensional and two-dimensional games</a:t>
+            </a:r>
+          </a:p>
+          <a:p>
+            <a:r>
+              <a:rPr lang="en-US" sz="2600" dirty="0" smtClean="0"/>
+              <a:t>Primary scripting API in C#</a:t>
+            </a:r>
+          </a:p>
+          <a:p>
+            <a:r>
+              <a:rPr lang="en-US" sz="2600" dirty="0" smtClean="0"/>
+              <a:t>Deploy games across mobile, desktop, VR/AR, consoles or the Web</a:t>
+            </a:r>
+          </a:p>
+          <a:p>
+            <a:r>
+              <a:rPr lang="en-MY" sz="2600" dirty="0" smtClean="0"/>
+              <a:t>Link: https://unity3d.com</a:t>
+            </a:r>
+          </a:p>
+          <a:p>
+            <a:r>
+              <a:rPr lang="en-MY" sz="2600" dirty="0" smtClean="0"/>
+              <a:t>User Group: http://t.me/unitymalaysia</a:t>
+            </a:r>
+          </a:p>
+          <a:p>
+            <a:pPr>
+              <a:buNone/>
+            </a:pPr>
+            <a:endParaRPr lang="en-US" sz="2600" dirty="0" smtClean="0"/>
           </a:p>
         </p:txBody>
       </p:sp>
@@ -6387,8 +6383,12 @@
           <a:lstStyle/>
           <a:p>
             <a:r>
+              <a:rPr lang="en-MY" dirty="0" err="1" smtClean="0"/>
+              <a:t>Github</a:t>
+            </a:r>
+            <a:r>
               <a:rPr lang="en-MY" dirty="0" smtClean="0"/>
-              <a:t>Creating A Project</a:t>
+              <a:t> Perak Technology</a:t>
             </a:r>
             <a:endParaRPr lang="en-US" dirty="0"/>
           </a:p>
@@ -6409,48 +6409,28 @@
           <a:bodyPr/>
           <a:lstStyle/>
           <a:p>
-            <a:endParaRPr lang="en-US"/>
-          </a:p>
-        </p:txBody>
-      </p:sp>
-      <p:pic>
-        <p:nvPicPr>
-          <p:cNvPr id="1026" name="Picture 2"/>
-          <p:cNvPicPr>
-            <a:picLocks noChangeAspect="1" noChangeArrowheads="1"/>
-          </p:cNvPicPr>
-          <p:nvPr/>
-        </p:nvPicPr>
-        <p:blipFill>
-          <a:blip r:embed="rId2"/>
-          <a:srcRect/>
-          <a:stretch>
-            <a:fillRect/>
-          </a:stretch>
-        </p:blipFill>
-        <p:spPr bwMode="auto">
-          <a:xfrm>
-            <a:off x="400050" y="1571612"/>
-            <a:ext cx="8343900" cy="4848225"/>
-          </a:xfrm>
-          <a:prstGeom prst="rect">
-            <a:avLst/>
-          </a:prstGeom>
-          <a:noFill/>
-          <a:ln w="9525">
-            <a:noFill/>
-            <a:miter lim="800000"/>
-            <a:headEnd/>
-            <a:tailEnd/>
-          </a:ln>
-          <a:effectLst/>
-        </p:spPr>
-      </p:pic>
+            <a:r>
+              <a:rPr lang="en-US" dirty="0" smtClean="0"/>
+              <a:t>https://github.com/peraktechnology</a:t>
+            </a:r>
+          </a:p>
+          <a:p>
+            <a:endParaRPr lang="en-US" dirty="0"/>
+          </a:p>
+        </p:txBody>
+      </p:sp>
     </p:spTree>
   </p:cSld>
   <p:clrMapOvr>
     <a:masterClrMapping/>
   </p:clrMapOvr>
+  <p:timing>
+    <p:tnLst>
+      <p:par>
+        <p:cTn id="1" dur="indefinite" restart="never" nodeType="tmRoot"/>
+      </p:par>
+    </p:tnLst>
+  </p:timing>
 </p:sld>
 </file>
 
@@ -6473,7 +6453,7 @@
       </p:grpSpPr>
       <p:sp>
         <p:nvSpPr>
-          <p:cNvPr id="9218" name="Title 1"/>
+          <p:cNvPr id="2" name="Title 1"/>
           <p:cNvSpPr>
             <a:spLocks noGrp="1"/>
           </p:cNvSpPr>
@@ -6487,15 +6467,16 @@
           <a:lstStyle/>
           <a:p>
             <a:r>
-              <a:rPr lang="en-US" smtClean="0"/>
-              <a:t>Interface</a:t>
-            </a:r>
-          </a:p>
-        </p:txBody>
-      </p:sp>
-      <p:sp>
-        <p:nvSpPr>
-          <p:cNvPr id="9219" name="Content Placeholder 2"/>
+              <a:rPr lang="en-MY" dirty="0" smtClean="0"/>
+              <a:t>Creating A Project</a:t>
+            </a:r>
+            <a:endParaRPr lang="en-US" dirty="0"/>
+          </a:p>
+        </p:txBody>
+      </p:sp>
+      <p:sp>
+        <p:nvSpPr>
+          <p:cNvPr id="3" name="Content Placeholder 2"/>
           <p:cNvSpPr>
             <a:spLocks noGrp="1"/>
           </p:cNvSpPr>
@@ -6508,15 +6489,15 @@
           <a:bodyPr/>
           <a:lstStyle/>
           <a:p>
-            <a:endParaRPr lang="en-US" smtClean="0"/>
+            <a:endParaRPr lang="en-US"/>
           </a:p>
         </p:txBody>
       </p:sp>
       <p:pic>
         <p:nvPicPr>
-          <p:cNvPr id="9220" name="Picture 3"/>
+          <p:cNvPr id="1026" name="Picture 2"/>
           <p:cNvPicPr>
-            <a:picLocks noChangeAspect="1"/>
+            <a:picLocks noChangeAspect="1" noChangeArrowheads="1"/>
           </p:cNvPicPr>
           <p:nvPr/>
         </p:nvPicPr>
@@ -6529,8 +6510,8 @@
         </p:blipFill>
         <p:spPr bwMode="auto">
           <a:xfrm>
-            <a:off x="747713" y="1411310"/>
-            <a:ext cx="7648575" cy="5303838"/>
+            <a:off x="400050" y="1571612"/>
+            <a:ext cx="8343900" cy="4848225"/>
           </a:xfrm>
           <a:prstGeom prst="rect">
             <a:avLst/>
@@ -6542,264 +6523,9 @@
             <a:headEnd/>
             <a:tailEnd/>
           </a:ln>
+          <a:effectLst/>
         </p:spPr>
       </p:pic>
-      <p:sp>
-        <p:nvSpPr>
-          <p:cNvPr id="7" name="Rectangle 6">
-            <a:extLst>
-              <a:ext uri="{FF2B5EF4-FFF2-40B4-BE49-F238E27FC236}">
-                <a16:creationId xmlns:a16="http://schemas.microsoft.com/office/drawing/2014/main" xmlns="" id="{1E077A3A-333E-4FC0-87AD-B2326A832894}"/>
-              </a:ext>
-            </a:extLst>
-          </p:cNvPr>
-          <p:cNvSpPr/>
-          <p:nvPr/>
-        </p:nvSpPr>
-        <p:spPr>
-          <a:xfrm>
-            <a:off x="747713" y="1582760"/>
-            <a:ext cx="1708547" cy="3538538"/>
-          </a:xfrm>
-          <a:prstGeom prst="rect">
-            <a:avLst/>
-          </a:prstGeom>
-          <a:solidFill>
-            <a:srgbClr val="D60000">
-              <a:alpha val="25098"/>
-            </a:srgbClr>
-          </a:solidFill>
-          <a:ln>
-            <a:solidFill>
-              <a:srgbClr val="FF0000"/>
-            </a:solidFill>
-          </a:ln>
-        </p:spPr>
-        <p:style>
-          <a:lnRef idx="2">
-            <a:schemeClr val="accent1">
-              <a:shade val="50000"/>
-            </a:schemeClr>
-          </a:lnRef>
-          <a:fillRef idx="1">
-            <a:schemeClr val="accent1"/>
-          </a:fillRef>
-          <a:effectRef idx="0">
-            <a:schemeClr val="accent1"/>
-          </a:effectRef>
-          <a:fontRef idx="minor">
-            <a:schemeClr val="lt1"/>
-          </a:fontRef>
-        </p:style>
-        <p:txBody>
-          <a:bodyPr anchor="ctr"/>
-          <a:lstStyle/>
-          <a:p>
-            <a:pPr algn="ctr" eaLnBrk="1" fontAlgn="auto" hangingPunct="1">
-              <a:spcBef>
-                <a:spcPts val="0"/>
-              </a:spcBef>
-              <a:spcAft>
-                <a:spcPts val="0"/>
-              </a:spcAft>
-              <a:defRPr/>
-            </a:pPr>
-            <a:endParaRPr lang="en-US"/>
-          </a:p>
-        </p:txBody>
-      </p:sp>
-      <p:sp>
-        <p:nvSpPr>
-          <p:cNvPr id="8" name="Rectangle 7">
-            <a:extLst>
-              <a:ext uri="{FF2B5EF4-FFF2-40B4-BE49-F238E27FC236}">
-                <a16:creationId xmlns:a16="http://schemas.microsoft.com/office/drawing/2014/main" xmlns="" id="{61CDE2BA-C30F-4900-8257-5017FDFA7976}"/>
-              </a:ext>
-            </a:extLst>
-          </p:cNvPr>
-          <p:cNvSpPr/>
-          <p:nvPr/>
-        </p:nvSpPr>
-        <p:spPr>
-          <a:xfrm>
-            <a:off x="2456260" y="1582760"/>
-            <a:ext cx="4313634" cy="3538538"/>
-          </a:xfrm>
-          <a:prstGeom prst="rect">
-            <a:avLst/>
-          </a:prstGeom>
-          <a:solidFill>
-            <a:srgbClr val="0000FF">
-              <a:alpha val="25098"/>
-            </a:srgbClr>
-          </a:solidFill>
-          <a:ln>
-            <a:solidFill>
-              <a:srgbClr val="0070C0"/>
-            </a:solidFill>
-          </a:ln>
-        </p:spPr>
-        <p:style>
-          <a:lnRef idx="2">
-            <a:schemeClr val="accent1">
-              <a:shade val="50000"/>
-            </a:schemeClr>
-          </a:lnRef>
-          <a:fillRef idx="1">
-            <a:schemeClr val="accent1"/>
-          </a:fillRef>
-          <a:effectRef idx="0">
-            <a:schemeClr val="accent1"/>
-          </a:effectRef>
-          <a:fontRef idx="minor">
-            <a:schemeClr val="lt1"/>
-          </a:fontRef>
-        </p:style>
-        <p:txBody>
-          <a:bodyPr anchor="ctr"/>
-          <a:lstStyle/>
-          <a:p>
-            <a:pPr algn="ctr" eaLnBrk="1" fontAlgn="auto" hangingPunct="1">
-              <a:spcBef>
-                <a:spcPts val="0"/>
-              </a:spcBef>
-              <a:spcAft>
-                <a:spcPts val="0"/>
-              </a:spcAft>
-              <a:defRPr/>
-            </a:pPr>
-            <a:endParaRPr lang="en-US"/>
-          </a:p>
-        </p:txBody>
-      </p:sp>
-      <p:sp>
-        <p:nvSpPr>
-          <p:cNvPr id="9" name="Rectangle 8">
-            <a:extLst>
-              <a:ext uri="{FF2B5EF4-FFF2-40B4-BE49-F238E27FC236}">
-                <a16:creationId xmlns:a16="http://schemas.microsoft.com/office/drawing/2014/main" xmlns="" id="{198991CA-8EA5-4DF2-9E0E-332519DEE6AE}"/>
-              </a:ext>
-            </a:extLst>
-          </p:cNvPr>
-          <p:cNvSpPr/>
-          <p:nvPr/>
-        </p:nvSpPr>
-        <p:spPr>
-          <a:xfrm>
-            <a:off x="6769894" y="1582760"/>
-            <a:ext cx="1626394" cy="5132388"/>
-          </a:xfrm>
-          <a:prstGeom prst="rect">
-            <a:avLst/>
-          </a:prstGeom>
-          <a:solidFill>
-            <a:srgbClr val="05AF19">
-              <a:alpha val="25098"/>
-            </a:srgbClr>
-          </a:solidFill>
-          <a:ln>
-            <a:solidFill>
-              <a:srgbClr val="05AF19"/>
-            </a:solidFill>
-          </a:ln>
-        </p:spPr>
-        <p:style>
-          <a:lnRef idx="2">
-            <a:schemeClr val="accent1">
-              <a:shade val="50000"/>
-            </a:schemeClr>
-          </a:lnRef>
-          <a:fillRef idx="1">
-            <a:schemeClr val="accent1"/>
-          </a:fillRef>
-          <a:effectRef idx="0">
-            <a:schemeClr val="accent1"/>
-          </a:effectRef>
-          <a:fontRef idx="minor">
-            <a:schemeClr val="lt1"/>
-          </a:fontRef>
-        </p:style>
-        <p:txBody>
-          <a:bodyPr anchor="ctr"/>
-          <a:lstStyle/>
-          <a:p>
-            <a:pPr algn="ctr" eaLnBrk="1" fontAlgn="auto" hangingPunct="1">
-              <a:spcBef>
-                <a:spcPts val="0"/>
-              </a:spcBef>
-              <a:spcAft>
-                <a:spcPts val="0"/>
-              </a:spcAft>
-              <a:defRPr/>
-            </a:pPr>
-            <a:endParaRPr lang="en-US"/>
-          </a:p>
-        </p:txBody>
-      </p:sp>
-      <p:sp>
-        <p:nvSpPr>
-          <p:cNvPr id="10" name="Rectangle 9">
-            <a:extLst>
-              <a:ext uri="{FF2B5EF4-FFF2-40B4-BE49-F238E27FC236}">
-                <a16:creationId xmlns:a16="http://schemas.microsoft.com/office/drawing/2014/main" xmlns="" id="{A1C51743-A42F-4A97-9EF7-8D993BD509AE}"/>
-              </a:ext>
-            </a:extLst>
-          </p:cNvPr>
-          <p:cNvSpPr/>
-          <p:nvPr/>
-        </p:nvSpPr>
-        <p:spPr>
-          <a:xfrm>
-            <a:off x="747713" y="5121298"/>
-            <a:ext cx="6022181" cy="1593850"/>
-          </a:xfrm>
-          <a:prstGeom prst="rect">
-            <a:avLst/>
-          </a:prstGeom>
-          <a:solidFill>
-            <a:srgbClr val="FFFF00">
-              <a:alpha val="25098"/>
-            </a:srgbClr>
-          </a:solidFill>
-          <a:ln>
-            <a:solidFill>
-              <a:srgbClr val="FFFF00"/>
-            </a:solidFill>
-          </a:ln>
-        </p:spPr>
-        <p:style>
-          <a:lnRef idx="2">
-            <a:schemeClr val="accent1">
-              <a:shade val="50000"/>
-            </a:schemeClr>
-          </a:lnRef>
-          <a:fillRef idx="1">
-            <a:schemeClr val="accent1"/>
-          </a:fillRef>
-          <a:effectRef idx="0">
-            <a:schemeClr val="accent1"/>
-          </a:effectRef>
-          <a:fontRef idx="minor">
-            <a:schemeClr val="lt1"/>
-          </a:fontRef>
-        </p:style>
-        <p:txBody>
-          <a:bodyPr anchor="ctr"/>
-          <a:lstStyle/>
-          <a:p>
-            <a:pPr algn="ctr" eaLnBrk="1" fontAlgn="auto" hangingPunct="1">
-              <a:spcBef>
-                <a:spcPts val="0"/>
-              </a:spcBef>
-              <a:spcAft>
-                <a:spcPts val="0"/>
-              </a:spcAft>
-              <a:defRPr/>
-            </a:pPr>
-            <a:endParaRPr lang="en-US"/>
-          </a:p>
-        </p:txBody>
-      </p:sp>
     </p:spTree>
   </p:cSld>
   <p:clrMapOvr>
@@ -6827,7 +6553,7 @@
       </p:grpSpPr>
       <p:sp>
         <p:nvSpPr>
-          <p:cNvPr id="10242" name="Title 1"/>
+          <p:cNvPr id="9218" name="Title 1"/>
           <p:cNvSpPr>
             <a:spLocks noGrp="1"/>
           </p:cNvSpPr>
@@ -6842,54 +6568,330 @@
           <a:p>
             <a:r>
               <a:rPr lang="en-US" smtClean="0"/>
-              <a:t>Hierarchy</a:t>
-            </a:r>
+              <a:t>Interface</a:t>
+            </a:r>
+          </a:p>
+        </p:txBody>
+      </p:sp>
+      <p:sp>
+        <p:nvSpPr>
+          <p:cNvPr id="9219" name="Content Placeholder 2"/>
+          <p:cNvSpPr>
+            <a:spLocks noGrp="1"/>
+          </p:cNvSpPr>
+          <p:nvPr>
+            <p:ph idx="1"/>
+          </p:nvPr>
+        </p:nvSpPr>
+        <p:spPr/>
+        <p:txBody>
+          <a:bodyPr/>
+          <a:lstStyle/>
+          <a:p>
+            <a:endParaRPr lang="en-US" smtClean="0"/>
           </a:p>
         </p:txBody>
       </p:sp>
       <p:pic>
         <p:nvPicPr>
-          <p:cNvPr id="10243" name="Content Placeholder 3"/>
+          <p:cNvPr id="9220" name="Picture 3"/>
           <p:cNvPicPr>
-            <a:picLocks noGrp="1" noChangeAspect="1"/>
+            <a:picLocks noChangeAspect="1"/>
           </p:cNvPicPr>
-          <p:nvPr>
-            <p:ph idx="1"/>
-          </p:nvPr>
+          <p:nvPr/>
         </p:nvPicPr>
         <p:blipFill>
           <a:blip r:embed="rId2"/>
+          <a:srcRect/>
           <a:stretch>
             <a:fillRect/>
           </a:stretch>
         </p:blipFill>
-        <p:spPr>
-          <a:xfrm>
-            <a:off x="2887583" y="1500172"/>
-            <a:ext cx="3368835" cy="5040000"/>
+        <p:spPr bwMode="auto">
+          <a:xfrm>
+            <a:off x="747713" y="1411310"/>
+            <a:ext cx="7648575" cy="5303838"/>
           </a:xfrm>
           <a:prstGeom prst="rect">
             <a:avLst/>
           </a:prstGeom>
           <a:noFill/>
+          <a:ln w="9525">
+            <a:noFill/>
+            <a:miter lim="800000"/>
+            <a:headEnd/>
+            <a:tailEnd/>
+          </a:ln>
+        </p:spPr>
+      </p:pic>
+      <p:sp>
+        <p:nvSpPr>
+          <p:cNvPr id="7" name="Rectangle 6">
+            <a:extLst>
+              <a:ext uri="{FF2B5EF4-FFF2-40B4-BE49-F238E27FC236}">
+                <a16:creationId xmlns="" xmlns:a16="http://schemas.microsoft.com/office/drawing/2014/main" id="{1E077A3A-333E-4FC0-87AD-B2326A832894}"/>
+              </a:ext>
+            </a:extLst>
+          </p:cNvPr>
+          <p:cNvSpPr/>
+          <p:nvPr/>
+        </p:nvSpPr>
+        <p:spPr>
+          <a:xfrm>
+            <a:off x="747713" y="1582760"/>
+            <a:ext cx="1708547" cy="3538538"/>
+          </a:xfrm>
+          <a:prstGeom prst="rect">
+            <a:avLst/>
+          </a:prstGeom>
+          <a:solidFill>
+            <a:srgbClr val="D60000">
+              <a:alpha val="25098"/>
+            </a:srgbClr>
+          </a:solidFill>
           <a:ln>
-            <a:noFill/>
+            <a:solidFill>
+              <a:srgbClr val="FF0000"/>
+            </a:solidFill>
           </a:ln>
         </p:spPr>
-      </p:pic>
+        <p:style>
+          <a:lnRef idx="2">
+            <a:schemeClr val="accent1">
+              <a:shade val="50000"/>
+            </a:schemeClr>
+          </a:lnRef>
+          <a:fillRef idx="1">
+            <a:schemeClr val="accent1"/>
+          </a:fillRef>
+          <a:effectRef idx="0">
+            <a:schemeClr val="accent1"/>
+          </a:effectRef>
+          <a:fontRef idx="minor">
+            <a:schemeClr val="lt1"/>
+          </a:fontRef>
+        </p:style>
+        <p:txBody>
+          <a:bodyPr anchor="ctr"/>
+          <a:lstStyle/>
+          <a:p>
+            <a:pPr algn="ctr" eaLnBrk="1" fontAlgn="auto" hangingPunct="1">
+              <a:spcBef>
+                <a:spcPts val="0"/>
+              </a:spcBef>
+              <a:spcAft>
+                <a:spcPts val="0"/>
+              </a:spcAft>
+              <a:defRPr/>
+            </a:pPr>
+            <a:endParaRPr lang="en-US"/>
+          </a:p>
+        </p:txBody>
+      </p:sp>
+      <p:sp>
+        <p:nvSpPr>
+          <p:cNvPr id="8" name="Rectangle 7">
+            <a:extLst>
+              <a:ext uri="{FF2B5EF4-FFF2-40B4-BE49-F238E27FC236}">
+                <a16:creationId xmlns="" xmlns:a16="http://schemas.microsoft.com/office/drawing/2014/main" id="{61CDE2BA-C30F-4900-8257-5017FDFA7976}"/>
+              </a:ext>
+            </a:extLst>
+          </p:cNvPr>
+          <p:cNvSpPr/>
+          <p:nvPr/>
+        </p:nvSpPr>
+        <p:spPr>
+          <a:xfrm>
+            <a:off x="2456260" y="1582760"/>
+            <a:ext cx="4313634" cy="3538538"/>
+          </a:xfrm>
+          <a:prstGeom prst="rect">
+            <a:avLst/>
+          </a:prstGeom>
+          <a:solidFill>
+            <a:srgbClr val="0000FF">
+              <a:alpha val="25098"/>
+            </a:srgbClr>
+          </a:solidFill>
+          <a:ln>
+            <a:solidFill>
+              <a:srgbClr val="0070C0"/>
+            </a:solidFill>
+          </a:ln>
+        </p:spPr>
+        <p:style>
+          <a:lnRef idx="2">
+            <a:schemeClr val="accent1">
+              <a:shade val="50000"/>
+            </a:schemeClr>
+          </a:lnRef>
+          <a:fillRef idx="1">
+            <a:schemeClr val="accent1"/>
+          </a:fillRef>
+          <a:effectRef idx="0">
+            <a:schemeClr val="accent1"/>
+          </a:effectRef>
+          <a:fontRef idx="minor">
+            <a:schemeClr val="lt1"/>
+          </a:fontRef>
+        </p:style>
+        <p:txBody>
+          <a:bodyPr anchor="ctr"/>
+          <a:lstStyle/>
+          <a:p>
+            <a:pPr algn="ctr" eaLnBrk="1" fontAlgn="auto" hangingPunct="1">
+              <a:spcBef>
+                <a:spcPts val="0"/>
+              </a:spcBef>
+              <a:spcAft>
+                <a:spcPts val="0"/>
+              </a:spcAft>
+              <a:defRPr/>
+            </a:pPr>
+            <a:endParaRPr lang="en-US"/>
+          </a:p>
+        </p:txBody>
+      </p:sp>
+      <p:sp>
+        <p:nvSpPr>
+          <p:cNvPr id="9" name="Rectangle 8">
+            <a:extLst>
+              <a:ext uri="{FF2B5EF4-FFF2-40B4-BE49-F238E27FC236}">
+                <a16:creationId xmlns="" xmlns:a16="http://schemas.microsoft.com/office/drawing/2014/main" id="{198991CA-8EA5-4DF2-9E0E-332519DEE6AE}"/>
+              </a:ext>
+            </a:extLst>
+          </p:cNvPr>
+          <p:cNvSpPr/>
+          <p:nvPr/>
+        </p:nvSpPr>
+        <p:spPr>
+          <a:xfrm>
+            <a:off x="6769894" y="1582760"/>
+            <a:ext cx="1626394" cy="5132388"/>
+          </a:xfrm>
+          <a:prstGeom prst="rect">
+            <a:avLst/>
+          </a:prstGeom>
+          <a:solidFill>
+            <a:srgbClr val="05AF19">
+              <a:alpha val="25098"/>
+            </a:srgbClr>
+          </a:solidFill>
+          <a:ln>
+            <a:solidFill>
+              <a:srgbClr val="05AF19"/>
+            </a:solidFill>
+          </a:ln>
+        </p:spPr>
+        <p:style>
+          <a:lnRef idx="2">
+            <a:schemeClr val="accent1">
+              <a:shade val="50000"/>
+            </a:schemeClr>
+          </a:lnRef>
+          <a:fillRef idx="1">
+            <a:schemeClr val="accent1"/>
+          </a:fillRef>
+          <a:effectRef idx="0">
+            <a:schemeClr val="accent1"/>
+          </a:effectRef>
+          <a:fontRef idx="minor">
+            <a:schemeClr val="lt1"/>
+          </a:fontRef>
+        </p:style>
+        <p:txBody>
+          <a:bodyPr anchor="ctr"/>
+          <a:lstStyle/>
+          <a:p>
+            <a:pPr algn="ctr" eaLnBrk="1" fontAlgn="auto" hangingPunct="1">
+              <a:spcBef>
+                <a:spcPts val="0"/>
+              </a:spcBef>
+              <a:spcAft>
+                <a:spcPts val="0"/>
+              </a:spcAft>
+              <a:defRPr/>
+            </a:pPr>
+            <a:endParaRPr lang="en-US"/>
+          </a:p>
+        </p:txBody>
+      </p:sp>
+      <p:sp>
+        <p:nvSpPr>
+          <p:cNvPr id="10" name="Rectangle 9">
+            <a:extLst>
+              <a:ext uri="{FF2B5EF4-FFF2-40B4-BE49-F238E27FC236}">
+                <a16:creationId xmlns="" xmlns:a16="http://schemas.microsoft.com/office/drawing/2014/main" id="{A1C51743-A42F-4A97-9EF7-8D993BD509AE}"/>
+              </a:ext>
+            </a:extLst>
+          </p:cNvPr>
+          <p:cNvSpPr/>
+          <p:nvPr/>
+        </p:nvSpPr>
+        <p:spPr>
+          <a:xfrm>
+            <a:off x="747713" y="5121298"/>
+            <a:ext cx="6022181" cy="1593850"/>
+          </a:xfrm>
+          <a:prstGeom prst="rect">
+            <a:avLst/>
+          </a:prstGeom>
+          <a:solidFill>
+            <a:srgbClr val="FFFF00">
+              <a:alpha val="25098"/>
+            </a:srgbClr>
+          </a:solidFill>
+          <a:ln>
+            <a:solidFill>
+              <a:srgbClr val="FFFF00"/>
+            </a:solidFill>
+          </a:ln>
+        </p:spPr>
+        <p:style>
+          <a:lnRef idx="2">
+            <a:schemeClr val="accent1">
+              <a:shade val="50000"/>
+            </a:schemeClr>
+          </a:lnRef>
+          <a:fillRef idx="1">
+            <a:schemeClr val="accent1"/>
+          </a:fillRef>
+          <a:effectRef idx="0">
+            <a:schemeClr val="accent1"/>
+          </a:effectRef>
+          <a:fontRef idx="minor">
+            <a:schemeClr val="lt1"/>
+          </a:fontRef>
+        </p:style>
+        <p:txBody>
+          <a:bodyPr anchor="ctr"/>
+          <a:lstStyle/>
+          <a:p>
+            <a:pPr algn="ctr" eaLnBrk="1" fontAlgn="auto" hangingPunct="1">
+              <a:spcBef>
+                <a:spcPts val="0"/>
+              </a:spcBef>
+              <a:spcAft>
+                <a:spcPts val="0"/>
+              </a:spcAft>
+              <a:defRPr/>
+            </a:pPr>
+            <a:endParaRPr lang="en-US"/>
+          </a:p>
+        </p:txBody>
+      </p:sp>
     </p:spTree>
   </p:cSld>
   <p:clrMapOvr>
     <a:masterClrMapping/>
   </p:clrMapOvr>
-  <p:transition/>
 </p:sld>
 </file>
 
 <file path=ppt/theme/theme1.xml><?xml version="1.0" encoding="utf-8"?>
 <a:theme xmlns:a="http://schemas.openxmlformats.org/drawingml/2006/main" name="Verve">
   <a:themeElements>
-    <a:clrScheme name="Apex">
+    <a:clrScheme name="Concourse">
       <a:dk1>
         <a:sysClr val="windowText" lastClr="000000"/>
       </a:dk1>
@@ -6897,34 +6899,34 @@
         <a:sysClr val="window" lastClr="FFFFFF"/>
       </a:lt1>
       <a:dk2>
-        <a:srgbClr val="69676D"/>
+        <a:srgbClr val="464646"/>
       </a:dk2>
       <a:lt2>
-        <a:srgbClr val="C9C2D1"/>
+        <a:srgbClr val="DEF5FA"/>
       </a:lt2>
       <a:accent1>
-        <a:srgbClr val="CEB966"/>
+        <a:srgbClr val="2DA2BF"/>
       </a:accent1>
       <a:accent2>
-        <a:srgbClr val="9CB084"/>
+        <a:srgbClr val="DA1F28"/>
       </a:accent2>
       <a:accent3>
-        <a:srgbClr val="6BB1C9"/>
+        <a:srgbClr val="EB641B"/>
       </a:accent3>
       <a:accent4>
-        <a:srgbClr val="6585CF"/>
+        <a:srgbClr val="39639D"/>
       </a:accent4>
       <a:accent5>
-        <a:srgbClr val="7E6BC9"/>
+        <a:srgbClr val="474B78"/>
       </a:accent5>
       <a:accent6>
-        <a:srgbClr val="A379BB"/>
+        <a:srgbClr val="7D3C4A"/>
       </a:accent6>
       <a:hlink>
-        <a:srgbClr val="410082"/>
+        <a:srgbClr val="FF8119"/>
       </a:hlink>
       <a:folHlink>
-        <a:srgbClr val="932968"/>
+        <a:srgbClr val="44B9E8"/>
       </a:folHlink>
     </a:clrScheme>
     <a:fontScheme name="Verve">
